--- a/STMETRE_FernandezPobleteSanPedroTan_Presentation_v4.pptx
+++ b/STMETRE_FernandezPobleteSanPedroTan_Presentation_v4.pptx
@@ -5,7 +5,7 @@
     <p:sldMasterId id="2147483702" r:id="rId1"/>
   </p:sldMasterIdLst>
   <p:notesMasterIdLst>
-    <p:notesMasterId r:id="rId22"/>
+    <p:notesMasterId r:id="rId32"/>
   </p:notesMasterIdLst>
   <p:sldIdLst>
     <p:sldId id="282" r:id="rId2"/>
@@ -17,35 +17,45 @@
     <p:sldId id="261" r:id="rId8"/>
     <p:sldId id="262" r:id="rId9"/>
     <p:sldId id="263" r:id="rId10"/>
-    <p:sldId id="265" r:id="rId11"/>
-    <p:sldId id="277" r:id="rId12"/>
-    <p:sldId id="281" r:id="rId13"/>
-    <p:sldId id="278" r:id="rId14"/>
-    <p:sldId id="285" r:id="rId15"/>
-    <p:sldId id="279" r:id="rId16"/>
-    <p:sldId id="280" r:id="rId17"/>
-    <p:sldId id="272" r:id="rId18"/>
-    <p:sldId id="273" r:id="rId19"/>
-    <p:sldId id="274" r:id="rId20"/>
-    <p:sldId id="275" r:id="rId21"/>
+    <p:sldId id="287" r:id="rId11"/>
+    <p:sldId id="265" r:id="rId12"/>
+    <p:sldId id="277" r:id="rId13"/>
+    <p:sldId id="281" r:id="rId14"/>
+    <p:sldId id="278" r:id="rId15"/>
+    <p:sldId id="285" r:id="rId16"/>
+    <p:sldId id="279" r:id="rId17"/>
+    <p:sldId id="280" r:id="rId18"/>
+    <p:sldId id="272" r:id="rId19"/>
+    <p:sldId id="273" r:id="rId20"/>
+    <p:sldId id="274" r:id="rId21"/>
+    <p:sldId id="288" r:id="rId22"/>
+    <p:sldId id="289" r:id="rId23"/>
+    <p:sldId id="290" r:id="rId24"/>
+    <p:sldId id="291" r:id="rId25"/>
+    <p:sldId id="292" r:id="rId26"/>
+    <p:sldId id="294" r:id="rId27"/>
+    <p:sldId id="293" r:id="rId28"/>
+    <p:sldId id="295" r:id="rId29"/>
+    <p:sldId id="296" r:id="rId30"/>
+    <p:sldId id="275" r:id="rId31"/>
   </p:sldIdLst>
   <p:sldSz cx="12192000" cy="6858000"/>
   <p:notesSz cx="6858000" cy="9144000"/>
   <p:embeddedFontLst>
     <p:embeddedFont>
       <p:font typeface="Century Gothic" panose="020B0502020202020204" pitchFamily="34" charset="0"/>
-      <p:regular r:id="rId23"/>
-      <p:bold r:id="rId24"/>
-      <p:italic r:id="rId25"/>
-      <p:boldItalic r:id="rId26"/>
+      <p:regular r:id="rId33"/>
+      <p:bold r:id="rId34"/>
+      <p:italic r:id="rId35"/>
+      <p:boldItalic r:id="rId36"/>
     </p:embeddedFont>
     <p:embeddedFont>
       <p:font typeface="Questrial" panose="020B0604020202020204" charset="0"/>
-      <p:regular r:id="rId27"/>
+      <p:regular r:id="rId37"/>
     </p:embeddedFont>
     <p:embeddedFont>
       <p:font typeface="Wingdings 3" panose="05040102010807070707" pitchFamily="18" charset="2"/>
-      <p:regular r:id="rId28"/>
+      <p:regular r:id="rId38"/>
     </p:embeddedFont>
   </p:embeddedFontLst>
   <p:defaultTextStyle>
@@ -635,7 +645,7 @@
   <p:cSld>
     <p:spTree>
       <p:nvGrpSpPr>
-        <p:cNvPr id="1" name="Shape 356"/>
+        <p:cNvPr id="1" name="Shape 299"/>
         <p:cNvGrpSpPr/>
         <p:nvPr/>
       </p:nvGrpSpPr>
@@ -649,7 +659,7 @@
       </p:grpSpPr>
       <p:sp>
         <p:nvSpPr>
-          <p:cNvPr id="357" name="Shape 357"/>
+          <p:cNvPr id="300" name="Shape 300"/>
           <p:cNvSpPr txBox="1">
             <a:spLocks noGrp="1"/>
           </p:cNvSpPr>
@@ -688,7 +698,7 @@
       </p:sp>
       <p:sp>
         <p:nvSpPr>
-          <p:cNvPr id="358" name="Shape 358"/>
+          <p:cNvPr id="301" name="Shape 301"/>
           <p:cNvSpPr>
             <a:spLocks noGrp="1" noRot="1" noChangeAspect="1"/>
           </p:cNvSpPr>
@@ -730,7 +740,7 @@
     </p:spTree>
     <p:extLst>
       <p:ext uri="{BB962C8B-B14F-4D97-AF65-F5344CB8AC3E}">
-        <p14:creationId xmlns:p14="http://schemas.microsoft.com/office/powerpoint/2010/main" val="3104372729"/>
+        <p14:creationId xmlns:p14="http://schemas.microsoft.com/office/powerpoint/2010/main" val="2671065498"/>
       </p:ext>
     </p:extLst>
   </p:cSld>
@@ -745,7 +755,7 @@
   <p:cSld>
     <p:spTree>
       <p:nvGrpSpPr>
-        <p:cNvPr id="1" name="Shape 362"/>
+        <p:cNvPr id="1" name="Shape 356"/>
         <p:cNvGrpSpPr/>
         <p:nvPr/>
       </p:nvGrpSpPr>
@@ -759,7 +769,7 @@
       </p:grpSpPr>
       <p:sp>
         <p:nvSpPr>
-          <p:cNvPr id="363" name="Shape 363"/>
+          <p:cNvPr id="357" name="Shape 357"/>
           <p:cNvSpPr txBox="1">
             <a:spLocks noGrp="1"/>
           </p:cNvSpPr>
@@ -798,7 +808,7 @@
       </p:sp>
       <p:sp>
         <p:nvSpPr>
-          <p:cNvPr id="364" name="Shape 364"/>
+          <p:cNvPr id="358" name="Shape 358"/>
           <p:cNvSpPr>
             <a:spLocks noGrp="1" noRot="1" noChangeAspect="1"/>
           </p:cNvSpPr>
@@ -840,7 +850,7 @@
     </p:spTree>
     <p:extLst>
       <p:ext uri="{BB962C8B-B14F-4D97-AF65-F5344CB8AC3E}">
-        <p14:creationId xmlns:p14="http://schemas.microsoft.com/office/powerpoint/2010/main" val="1568245591"/>
+        <p14:creationId xmlns:p14="http://schemas.microsoft.com/office/powerpoint/2010/main" val="3104372729"/>
       </p:ext>
     </p:extLst>
   </p:cSld>
@@ -855,7 +865,7 @@
   <p:cSld>
     <p:spTree>
       <p:nvGrpSpPr>
-        <p:cNvPr id="1" name="Shape 368"/>
+        <p:cNvPr id="1" name="Shape 362"/>
         <p:cNvGrpSpPr/>
         <p:nvPr/>
       </p:nvGrpSpPr>
@@ -869,7 +879,7 @@
       </p:grpSpPr>
       <p:sp>
         <p:nvSpPr>
-          <p:cNvPr id="369" name="Shape 369"/>
+          <p:cNvPr id="363" name="Shape 363"/>
           <p:cNvSpPr txBox="1">
             <a:spLocks noGrp="1"/>
           </p:cNvSpPr>
@@ -908,7 +918,7 @@
       </p:sp>
       <p:sp>
         <p:nvSpPr>
-          <p:cNvPr id="370" name="Shape 370"/>
+          <p:cNvPr id="364" name="Shape 364"/>
           <p:cNvSpPr>
             <a:spLocks noGrp="1" noRot="1" noChangeAspect="1"/>
           </p:cNvSpPr>
@@ -950,7 +960,7 @@
     </p:spTree>
     <p:extLst>
       <p:ext uri="{BB962C8B-B14F-4D97-AF65-F5344CB8AC3E}">
-        <p14:creationId xmlns:p14="http://schemas.microsoft.com/office/powerpoint/2010/main" val="849675716"/>
+        <p14:creationId xmlns:p14="http://schemas.microsoft.com/office/powerpoint/2010/main" val="1568245591"/>
       </p:ext>
     </p:extLst>
   </p:cSld>
@@ -965,7 +975,7 @@
   <p:cSld>
     <p:spTree>
       <p:nvGrpSpPr>
-        <p:cNvPr id="1" name="Shape 374"/>
+        <p:cNvPr id="1" name="Shape 368"/>
         <p:cNvGrpSpPr/>
         <p:nvPr/>
       </p:nvGrpSpPr>
@@ -979,7 +989,7 @@
       </p:grpSpPr>
       <p:sp>
         <p:nvSpPr>
-          <p:cNvPr id="375" name="Shape 375"/>
+          <p:cNvPr id="369" name="Shape 369"/>
           <p:cNvSpPr txBox="1">
             <a:spLocks noGrp="1"/>
           </p:cNvSpPr>
@@ -1018,7 +1028,7 @@
       </p:sp>
       <p:sp>
         <p:nvSpPr>
-          <p:cNvPr id="376" name="Shape 376"/>
+          <p:cNvPr id="370" name="Shape 370"/>
           <p:cNvSpPr>
             <a:spLocks noGrp="1" noRot="1" noChangeAspect="1"/>
           </p:cNvSpPr>
@@ -1060,7 +1070,7 @@
     </p:spTree>
     <p:extLst>
       <p:ext uri="{BB962C8B-B14F-4D97-AF65-F5344CB8AC3E}">
-        <p14:creationId xmlns:p14="http://schemas.microsoft.com/office/powerpoint/2010/main" val="2715684264"/>
+        <p14:creationId xmlns:p14="http://schemas.microsoft.com/office/powerpoint/2010/main" val="849675716"/>
       </p:ext>
     </p:extLst>
   </p:cSld>
@@ -1070,12 +1080,12 @@
 </p:notes>
 </file>
 
-<file path=ppt/notesSlides/notesSlide2.xml><?xml version="1.0" encoding="utf-8"?>
+<file path=ppt/notesSlides/notesSlide14.xml><?xml version="1.0" encoding="utf-8"?>
 <p:notes xmlns:a="http://schemas.openxmlformats.org/drawingml/2006/main" xmlns:r="http://schemas.openxmlformats.org/officeDocument/2006/relationships" xmlns:p="http://schemas.openxmlformats.org/presentationml/2006/main" showMasterSp="0" showMasterPhAnim="0">
   <p:cSld>
     <p:spTree>
       <p:nvGrpSpPr>
-        <p:cNvPr id="1" name="Shape 263"/>
+        <p:cNvPr id="1" name="Shape 368"/>
         <p:cNvGrpSpPr/>
         <p:nvPr/>
       </p:nvGrpSpPr>
@@ -1089,7 +1099,7 @@
       </p:grpSpPr>
       <p:sp>
         <p:nvSpPr>
-          <p:cNvPr id="264" name="Shape 264"/>
+          <p:cNvPr id="369" name="Shape 369"/>
           <p:cNvSpPr txBox="1">
             <a:spLocks noGrp="1"/>
           </p:cNvSpPr>
@@ -1128,7 +1138,7 @@
       </p:sp>
       <p:sp>
         <p:nvSpPr>
-          <p:cNvPr id="265" name="Shape 265"/>
+          <p:cNvPr id="370" name="Shape 370"/>
           <p:cNvSpPr>
             <a:spLocks noGrp="1" noRot="1" noChangeAspect="1"/>
           </p:cNvSpPr>
@@ -1170,7 +1180,7 @@
     </p:spTree>
     <p:extLst>
       <p:ext uri="{BB962C8B-B14F-4D97-AF65-F5344CB8AC3E}">
-        <p14:creationId xmlns:p14="http://schemas.microsoft.com/office/powerpoint/2010/main" val="2522815093"/>
+        <p14:creationId xmlns:p14="http://schemas.microsoft.com/office/powerpoint/2010/main" val="2390088473"/>
       </p:ext>
     </p:extLst>
   </p:cSld>
@@ -1180,12 +1190,12 @@
 </p:notes>
 </file>
 
-<file path=ppt/notesSlides/notesSlide3.xml><?xml version="1.0" encoding="utf-8"?>
+<file path=ppt/notesSlides/notesSlide15.xml><?xml version="1.0" encoding="utf-8"?>
 <p:notes xmlns:a="http://schemas.openxmlformats.org/drawingml/2006/main" xmlns:r="http://schemas.openxmlformats.org/officeDocument/2006/relationships" xmlns:p="http://schemas.openxmlformats.org/presentationml/2006/main" showMasterSp="0" showMasterPhAnim="0">
   <p:cSld>
     <p:spTree>
       <p:nvGrpSpPr>
-        <p:cNvPr id="1" name="Shape 263"/>
+        <p:cNvPr id="1" name="Shape 374"/>
         <p:cNvGrpSpPr/>
         <p:nvPr/>
       </p:nvGrpSpPr>
@@ -1199,7 +1209,7 @@
       </p:grpSpPr>
       <p:sp>
         <p:nvSpPr>
-          <p:cNvPr id="264" name="Shape 264"/>
+          <p:cNvPr id="375" name="Shape 375"/>
           <p:cNvSpPr txBox="1">
             <a:spLocks noGrp="1"/>
           </p:cNvSpPr>
@@ -1238,7 +1248,7 @@
       </p:sp>
       <p:sp>
         <p:nvSpPr>
-          <p:cNvPr id="265" name="Shape 265"/>
+          <p:cNvPr id="376" name="Shape 376"/>
           <p:cNvSpPr>
             <a:spLocks noGrp="1" noRot="1" noChangeAspect="1"/>
           </p:cNvSpPr>
@@ -1280,7 +1290,7 @@
     </p:spTree>
     <p:extLst>
       <p:ext uri="{BB962C8B-B14F-4D97-AF65-F5344CB8AC3E}">
-        <p14:creationId xmlns:p14="http://schemas.microsoft.com/office/powerpoint/2010/main" val="882079519"/>
+        <p14:creationId xmlns:p14="http://schemas.microsoft.com/office/powerpoint/2010/main" val="2715684264"/>
       </p:ext>
     </p:extLst>
   </p:cSld>
@@ -1290,7 +1300,7 @@
 </p:notes>
 </file>
 
-<file path=ppt/notesSlides/notesSlide4.xml><?xml version="1.0" encoding="utf-8"?>
+<file path=ppt/notesSlides/notesSlide2.xml><?xml version="1.0" encoding="utf-8"?>
 <p:notes xmlns:a="http://schemas.openxmlformats.org/drawingml/2006/main" xmlns:r="http://schemas.openxmlformats.org/officeDocument/2006/relationships" xmlns:p="http://schemas.openxmlformats.org/presentationml/2006/main" showMasterSp="0" showMasterPhAnim="0">
   <p:cSld>
     <p:spTree>
@@ -1390,7 +1400,7 @@
     </p:spTree>
     <p:extLst>
       <p:ext uri="{BB962C8B-B14F-4D97-AF65-F5344CB8AC3E}">
-        <p14:creationId xmlns:p14="http://schemas.microsoft.com/office/powerpoint/2010/main" val="3715834640"/>
+        <p14:creationId xmlns:p14="http://schemas.microsoft.com/office/powerpoint/2010/main" val="2522815093"/>
       </p:ext>
     </p:extLst>
   </p:cSld>
@@ -1400,12 +1410,12 @@
 </p:notes>
 </file>
 
-<file path=ppt/notesSlides/notesSlide5.xml><?xml version="1.0" encoding="utf-8"?>
+<file path=ppt/notesSlides/notesSlide3.xml><?xml version="1.0" encoding="utf-8"?>
 <p:notes xmlns:a="http://schemas.openxmlformats.org/drawingml/2006/main" xmlns:r="http://schemas.openxmlformats.org/officeDocument/2006/relationships" xmlns:p="http://schemas.openxmlformats.org/presentationml/2006/main" showMasterSp="0" showMasterPhAnim="0">
   <p:cSld>
     <p:spTree>
       <p:nvGrpSpPr>
-        <p:cNvPr id="1" name="Shape 269"/>
+        <p:cNvPr id="1" name="Shape 263"/>
         <p:cNvGrpSpPr/>
         <p:nvPr/>
       </p:nvGrpSpPr>
@@ -1419,7 +1429,46 @@
       </p:grpSpPr>
       <p:sp>
         <p:nvSpPr>
-          <p:cNvPr id="270" name="Shape 270"/>
+          <p:cNvPr id="264" name="Shape 264"/>
+          <p:cNvSpPr txBox="1">
+            <a:spLocks noGrp="1"/>
+          </p:cNvSpPr>
+          <p:nvPr>
+            <p:ph type="body" idx="1"/>
+          </p:nvPr>
+        </p:nvSpPr>
+        <p:spPr>
+          <a:xfrm>
+            <a:off x="685800" y="4343400"/>
+            <a:ext cx="5486399" cy="4114800"/>
+          </a:xfrm>
+          <a:prstGeom prst="rect">
+            <a:avLst/>
+          </a:prstGeom>
+          <a:noFill/>
+          <a:ln>
+            <a:noFill/>
+          </a:ln>
+        </p:spPr>
+        <p:txBody>
+          <a:bodyPr lIns="91425" tIns="91425" rIns="91425" bIns="91425" anchor="ctr" anchorCtr="0">
+            <a:noAutofit/>
+          </a:bodyPr>
+          <a:lstStyle/>
+          <a:p>
+            <a:pPr lvl="0">
+              <a:spcBef>
+                <a:spcPts val="0"/>
+              </a:spcBef>
+              <a:buNone/>
+            </a:pPr>
+            <a:endParaRPr/>
+          </a:p>
+        </p:txBody>
+      </p:sp>
+      <p:sp>
+        <p:nvSpPr>
+          <p:cNvPr id="265" name="Shape 265"/>
           <p:cNvSpPr>
             <a:spLocks noGrp="1" noRot="1" noChangeAspect="1"/>
           </p:cNvSpPr>
@@ -1458,6 +1507,187 @@
           </a:custGeom>
         </p:spPr>
       </p:sp>
+    </p:spTree>
+    <p:extLst>
+      <p:ext uri="{BB962C8B-B14F-4D97-AF65-F5344CB8AC3E}">
+        <p14:creationId xmlns:p14="http://schemas.microsoft.com/office/powerpoint/2010/main" val="882079519"/>
+      </p:ext>
+    </p:extLst>
+  </p:cSld>
+  <p:clrMapOvr>
+    <a:masterClrMapping/>
+  </p:clrMapOvr>
+</p:notes>
+</file>
+
+<file path=ppt/notesSlides/notesSlide4.xml><?xml version="1.0" encoding="utf-8"?>
+<p:notes xmlns:a="http://schemas.openxmlformats.org/drawingml/2006/main" xmlns:r="http://schemas.openxmlformats.org/officeDocument/2006/relationships" xmlns:p="http://schemas.openxmlformats.org/presentationml/2006/main" showMasterSp="0" showMasterPhAnim="0">
+  <p:cSld>
+    <p:spTree>
+      <p:nvGrpSpPr>
+        <p:cNvPr id="1" name="Shape 263"/>
+        <p:cNvGrpSpPr/>
+        <p:nvPr/>
+      </p:nvGrpSpPr>
+      <p:grpSpPr>
+        <a:xfrm>
+          <a:off x="0" y="0"/>
+          <a:ext cx="0" cy="0"/>
+          <a:chOff x="0" y="0"/>
+          <a:chExt cx="0" cy="0"/>
+        </a:xfrm>
+      </p:grpSpPr>
+      <p:sp>
+        <p:nvSpPr>
+          <p:cNvPr id="264" name="Shape 264"/>
+          <p:cNvSpPr txBox="1">
+            <a:spLocks noGrp="1"/>
+          </p:cNvSpPr>
+          <p:nvPr>
+            <p:ph type="body" idx="1"/>
+          </p:nvPr>
+        </p:nvSpPr>
+        <p:spPr>
+          <a:xfrm>
+            <a:off x="685800" y="4343400"/>
+            <a:ext cx="5486399" cy="4114800"/>
+          </a:xfrm>
+          <a:prstGeom prst="rect">
+            <a:avLst/>
+          </a:prstGeom>
+          <a:noFill/>
+          <a:ln>
+            <a:noFill/>
+          </a:ln>
+        </p:spPr>
+        <p:txBody>
+          <a:bodyPr lIns="91425" tIns="91425" rIns="91425" bIns="91425" anchor="ctr" anchorCtr="0">
+            <a:noAutofit/>
+          </a:bodyPr>
+          <a:lstStyle/>
+          <a:p>
+            <a:pPr lvl="0">
+              <a:spcBef>
+                <a:spcPts val="0"/>
+              </a:spcBef>
+              <a:buNone/>
+            </a:pPr>
+            <a:endParaRPr/>
+          </a:p>
+        </p:txBody>
+      </p:sp>
+      <p:sp>
+        <p:nvSpPr>
+          <p:cNvPr id="265" name="Shape 265"/>
+          <p:cNvSpPr>
+            <a:spLocks noGrp="1" noRot="1" noChangeAspect="1"/>
+          </p:cNvSpPr>
+          <p:nvPr>
+            <p:ph type="sldImg" idx="2"/>
+          </p:nvPr>
+        </p:nvSpPr>
+        <p:spPr>
+          <a:xfrm>
+            <a:off x="381000" y="685800"/>
+            <a:ext cx="6096000" cy="3429000"/>
+          </a:xfrm>
+          <a:custGeom>
+            <a:avLst/>
+            <a:gdLst/>
+            <a:ahLst/>
+            <a:cxnLst/>
+            <a:rect l="0" t="0" r="0" b="0"/>
+            <a:pathLst>
+              <a:path w="120000" h="120000" extrusionOk="0">
+                <a:moveTo>
+                  <a:pt x="0" y="0"/>
+                </a:moveTo>
+                <a:lnTo>
+                  <a:pt x="120000" y="0"/>
+                </a:lnTo>
+                <a:lnTo>
+                  <a:pt x="120000" y="120000"/>
+                </a:lnTo>
+                <a:lnTo>
+                  <a:pt x="0" y="120000"/>
+                </a:lnTo>
+                <a:close/>
+              </a:path>
+            </a:pathLst>
+          </a:custGeom>
+        </p:spPr>
+      </p:sp>
+    </p:spTree>
+    <p:extLst>
+      <p:ext uri="{BB962C8B-B14F-4D97-AF65-F5344CB8AC3E}">
+        <p14:creationId xmlns:p14="http://schemas.microsoft.com/office/powerpoint/2010/main" val="3715834640"/>
+      </p:ext>
+    </p:extLst>
+  </p:cSld>
+  <p:clrMapOvr>
+    <a:masterClrMapping/>
+  </p:clrMapOvr>
+</p:notes>
+</file>
+
+<file path=ppt/notesSlides/notesSlide5.xml><?xml version="1.0" encoding="utf-8"?>
+<p:notes xmlns:a="http://schemas.openxmlformats.org/drawingml/2006/main" xmlns:r="http://schemas.openxmlformats.org/officeDocument/2006/relationships" xmlns:p="http://schemas.openxmlformats.org/presentationml/2006/main" showMasterSp="0" showMasterPhAnim="0">
+  <p:cSld>
+    <p:spTree>
+      <p:nvGrpSpPr>
+        <p:cNvPr id="1" name="Shape 269"/>
+        <p:cNvGrpSpPr/>
+        <p:nvPr/>
+      </p:nvGrpSpPr>
+      <p:grpSpPr>
+        <a:xfrm>
+          <a:off x="0" y="0"/>
+          <a:ext cx="0" cy="0"/>
+          <a:chOff x="0" y="0"/>
+          <a:chExt cx="0" cy="0"/>
+        </a:xfrm>
+      </p:grpSpPr>
+      <p:sp>
+        <p:nvSpPr>
+          <p:cNvPr id="270" name="Shape 270"/>
+          <p:cNvSpPr>
+            <a:spLocks noGrp="1" noRot="1" noChangeAspect="1"/>
+          </p:cNvSpPr>
+          <p:nvPr>
+            <p:ph type="sldImg" idx="2"/>
+          </p:nvPr>
+        </p:nvSpPr>
+        <p:spPr>
+          <a:xfrm>
+            <a:off x="381000" y="685800"/>
+            <a:ext cx="6096000" cy="3429000"/>
+          </a:xfrm>
+          <a:custGeom>
+            <a:avLst/>
+            <a:gdLst/>
+            <a:ahLst/>
+            <a:cxnLst/>
+            <a:rect l="0" t="0" r="0" b="0"/>
+            <a:pathLst>
+              <a:path w="120000" h="120000" extrusionOk="0">
+                <a:moveTo>
+                  <a:pt x="0" y="0"/>
+                </a:moveTo>
+                <a:lnTo>
+                  <a:pt x="120000" y="0"/>
+                </a:lnTo>
+                <a:lnTo>
+                  <a:pt x="120000" y="120000"/>
+                </a:lnTo>
+                <a:lnTo>
+                  <a:pt x="0" y="120000"/>
+                </a:lnTo>
+                <a:close/>
+              </a:path>
+            </a:pathLst>
+          </a:custGeom>
+        </p:spPr>
+      </p:sp>
       <p:sp>
         <p:nvSpPr>
           <p:cNvPr id="271" name="Shape 271"/>
@@ -1833,7 +2063,7 @@
   <p:cSld>
     <p:spTree>
       <p:nvGrpSpPr>
-        <p:cNvPr id="1" name="Shape 299"/>
+        <p:cNvPr id="1" name="Shape 287"/>
         <p:cNvGrpSpPr/>
         <p:nvPr/>
       </p:nvGrpSpPr>
@@ -1847,7 +2077,7 @@
       </p:grpSpPr>
       <p:sp>
         <p:nvSpPr>
-          <p:cNvPr id="300" name="Shape 300"/>
+          <p:cNvPr id="288" name="Shape 288"/>
           <p:cNvSpPr txBox="1">
             <a:spLocks noGrp="1"/>
           </p:cNvSpPr>
@@ -1886,7 +2116,7 @@
       </p:sp>
       <p:sp>
         <p:nvSpPr>
-          <p:cNvPr id="301" name="Shape 301"/>
+          <p:cNvPr id="289" name="Shape 289"/>
           <p:cNvSpPr>
             <a:spLocks noGrp="1" noRot="1" noChangeAspect="1"/>
           </p:cNvSpPr>
@@ -1928,7 +2158,7 @@
     </p:spTree>
     <p:extLst>
       <p:ext uri="{BB962C8B-B14F-4D97-AF65-F5344CB8AC3E}">
-        <p14:creationId xmlns:p14="http://schemas.microsoft.com/office/powerpoint/2010/main" val="2671065498"/>
+        <p14:creationId xmlns:p14="http://schemas.microsoft.com/office/powerpoint/2010/main" val="3184472214"/>
       </p:ext>
     </p:extLst>
   </p:cSld>
@@ -15588,15 +15818,7 @@
                   <a:schemeClr val="bg1"/>
                 </a:solidFill>
               </a:rPr>
-              <a:t> </a:t>
-            </a:r>
-            <a:r>
-              <a:rPr lang="en-US" dirty="0" smtClean="0">
-                <a:solidFill>
-                  <a:schemeClr val="bg1"/>
-                </a:solidFill>
-              </a:rPr>
-              <a:t>K. Cheng</a:t>
+              <a:t> K. Cheng</a:t>
             </a:r>
             <a:endParaRPr lang="en-US" dirty="0">
               <a:solidFill>
@@ -15631,7 +15853,7 @@
   <p:cSld>
     <p:spTree>
       <p:nvGrpSpPr>
-        <p:cNvPr id="1" name="Shape 302"/>
+        <p:cNvPr id="1" name="Shape 290"/>
         <p:cNvGrpSpPr/>
         <p:nvPr/>
       </p:nvGrpSpPr>
@@ -15645,7 +15867,7 @@
       </p:grpSpPr>
       <p:sp>
         <p:nvSpPr>
-          <p:cNvPr id="303" name="Shape 303"/>
+          <p:cNvPr id="291" name="Shape 291"/>
           <p:cNvSpPr txBox="1">
             <a:spLocks noGrp="1"/>
           </p:cNvSpPr>
@@ -15668,7 +15890,7 @@
           </a:bodyPr>
           <a:lstStyle/>
           <a:p>
-            <a:pPr lvl="0">
+            <a:pPr marL="0" marR="0" lvl="0" indent="0" algn="l" rtl="0">
               <a:spcBef>
                 <a:spcPts val="0"/>
               </a:spcBef>
@@ -15676,9 +15898,11 @@
                 <a:schemeClr val="lt2"/>
               </a:buClr>
               <a:buSzPct val="25000"/>
+              <a:buFont typeface="Questrial"/>
+              <a:buNone/>
             </a:pPr>
             <a:r>
-              <a:rPr lang="en-PH" sz="3200" dirty="0">
+              <a:rPr lang="en-PH" sz="3600" b="0" i="0" u="none" strike="noStrike" cap="none" dirty="0">
                 <a:solidFill>
                   <a:schemeClr val="lt2"/>
                 </a:solidFill>
@@ -15687,10 +15911,10 @@
                 <a:cs typeface="Questrial"/>
                 <a:sym typeface="Questrial"/>
               </a:rPr>
-              <a:t>Research Objectives, Scope, and </a:t>
-            </a:r>
-            <a:r>
-              <a:rPr lang="en-PH" sz="3200" dirty="0" smtClean="0">
+              <a:t>Research </a:t>
+            </a:r>
+            <a:r>
+              <a:rPr lang="en-PH" sz="3600" b="0" i="0" u="none" strike="noStrike" cap="none" dirty="0" smtClean="0">
                 <a:solidFill>
                   <a:schemeClr val="lt2"/>
                 </a:solidFill>
@@ -15699,61 +15923,23 @@
                 <a:cs typeface="Questrial"/>
                 <a:sym typeface="Questrial"/>
               </a:rPr>
-              <a:t>Limitations</a:t>
-            </a:r>
-            <a:r>
-              <a:rPr lang="en-PH" dirty="0" smtClean="0">
-                <a:solidFill>
-                  <a:schemeClr val="lt2"/>
-                </a:solidFill>
-                <a:latin typeface="Questrial"/>
-                <a:ea typeface="Questrial"/>
-                <a:cs typeface="Questrial"/>
-                <a:sym typeface="Questrial"/>
-              </a:rPr>
-              <a:t/>
-            </a:r>
-            <a:br>
-              <a:rPr lang="en-PH" dirty="0" smtClean="0">
-                <a:solidFill>
-                  <a:schemeClr val="lt2"/>
-                </a:solidFill>
-                <a:latin typeface="Questrial"/>
-                <a:ea typeface="Questrial"/>
-                <a:cs typeface="Questrial"/>
-                <a:sym typeface="Questrial"/>
-              </a:rPr>
-            </a:br>
-            <a:r>
-              <a:rPr lang="en-PH" sz="2800" b="0" i="0" u="none" strike="noStrike" cap="none" dirty="0" smtClean="0">
-                <a:solidFill>
-                  <a:schemeClr val="lt2"/>
-                </a:solidFill>
-                <a:latin typeface="Questrial"/>
-                <a:ea typeface="Questrial"/>
-                <a:cs typeface="Questrial"/>
-                <a:sym typeface="Questrial"/>
-              </a:rPr>
-              <a:t>General </a:t>
-            </a:r>
-            <a:r>
-              <a:rPr lang="en-PH" sz="2800" b="0" i="0" u="none" strike="noStrike" cap="none" dirty="0">
-                <a:solidFill>
-                  <a:schemeClr val="lt2"/>
-                </a:solidFill>
-                <a:latin typeface="Questrial"/>
-                <a:ea typeface="Questrial"/>
-                <a:cs typeface="Questrial"/>
-                <a:sym typeface="Questrial"/>
-              </a:rPr>
-              <a:t>Objective</a:t>
-            </a:r>
+              <a:t>Problem</a:t>
+            </a:r>
+            <a:endParaRPr lang="en-PH" sz="3600" b="0" i="0" u="none" strike="noStrike" cap="none" dirty="0">
+              <a:solidFill>
+                <a:schemeClr val="lt2"/>
+              </a:solidFill>
+              <a:latin typeface="Questrial"/>
+              <a:ea typeface="Questrial"/>
+              <a:cs typeface="Questrial"/>
+              <a:sym typeface="Questrial"/>
+            </a:endParaRPr>
           </a:p>
         </p:txBody>
       </p:sp>
       <p:sp>
         <p:nvSpPr>
-          <p:cNvPr id="304" name="Shape 304"/>
+          <p:cNvPr id="292" name="Shape 292"/>
           <p:cNvSpPr txBox="1">
             <a:spLocks noGrp="1"/>
           </p:cNvSpPr>
@@ -15791,7 +15977,7 @@
               <a:buChar char="►"/>
             </a:pPr>
             <a:r>
-              <a:rPr lang="en-PH" sz="2800" b="0" i="0" u="none" strike="noStrike" cap="none" dirty="0">
+              <a:rPr lang="en-PH" sz="2800" dirty="0" smtClean="0">
                 <a:solidFill>
                   <a:srgbClr val="3F3F3F"/>
                 </a:solidFill>
@@ -15800,12 +15986,26 @@
                 <a:cs typeface="Questrial"/>
                 <a:sym typeface="Questrial"/>
               </a:rPr>
-              <a:t>To produce a visualization of the detected communities on data found on Facebook and Twitter</a:t>
-            </a:r>
+              <a:t>Determine if considering Facebook, in addition to Twitter, would produce better communities.</a:t>
+            </a:r>
+            <a:endParaRPr lang="en-PH" sz="2800" b="0" i="0" u="none" strike="noStrike" cap="none" dirty="0" smtClean="0">
+              <a:solidFill>
+                <a:srgbClr val="3F3F3F"/>
+              </a:solidFill>
+              <a:latin typeface="Questrial"/>
+              <a:ea typeface="Questrial"/>
+              <a:cs typeface="Questrial"/>
+              <a:sym typeface="Questrial"/>
+            </a:endParaRPr>
           </a:p>
         </p:txBody>
       </p:sp>
     </p:spTree>
+    <p:extLst>
+      <p:ext uri="{BB962C8B-B14F-4D97-AF65-F5344CB8AC3E}">
+        <p14:creationId xmlns:p14="http://schemas.microsoft.com/office/powerpoint/2010/main" val="1485505279"/>
+      </p:ext>
+    </p:extLst>
   </p:cSld>
   <p:clrMapOvr>
     <a:masterClrMapping/>
@@ -15825,7 +16025,7 @@
   <p:cSld>
     <p:spTree>
       <p:nvGrpSpPr>
-        <p:cNvPr id="1" name=""/>
+        <p:cNvPr id="1" name="Shape 302"/>
         <p:cNvGrpSpPr/>
         <p:nvPr/>
       </p:nvGrpSpPr>
@@ -15839,160 +16039,167 @@
       </p:grpSpPr>
       <p:sp>
         <p:nvSpPr>
-          <p:cNvPr id="2" name="Title 1"/>
-          <p:cNvSpPr>
+          <p:cNvPr id="303" name="Shape 303"/>
+          <p:cNvSpPr txBox="1">
             <a:spLocks noGrp="1"/>
           </p:cNvSpPr>
           <p:nvPr>
             <p:ph type="title"/>
           </p:nvPr>
         </p:nvSpPr>
-        <p:spPr/>
+        <p:spPr>
+          <a:prstGeom prst="rect">
+            <a:avLst/>
+          </a:prstGeom>
+          <a:noFill/>
+          <a:ln>
+            <a:noFill/>
+          </a:ln>
+        </p:spPr>
         <p:txBody>
-          <a:bodyPr/>
+          <a:bodyPr lIns="91425" tIns="45700" rIns="91425" bIns="45700" anchor="ctr" anchorCtr="0">
+            <a:noAutofit/>
+          </a:bodyPr>
           <a:lstStyle/>
           <a:p>
-            <a:r>
-              <a:rPr lang="en-US" dirty="0" smtClean="0"/>
-              <a:t>Specific Objective #1</a:t>
-            </a:r>
-            <a:endParaRPr lang="en-US" dirty="0"/>
+            <a:pPr lvl="0">
+              <a:spcBef>
+                <a:spcPts val="0"/>
+              </a:spcBef>
+              <a:buClr>
+                <a:schemeClr val="lt2"/>
+              </a:buClr>
+              <a:buSzPct val="25000"/>
+            </a:pPr>
+            <a:r>
+              <a:rPr lang="en-PH" sz="3200" dirty="0">
+                <a:solidFill>
+                  <a:schemeClr val="lt2"/>
+                </a:solidFill>
+                <a:latin typeface="Questrial"/>
+                <a:ea typeface="Questrial"/>
+                <a:cs typeface="Questrial"/>
+                <a:sym typeface="Questrial"/>
+              </a:rPr>
+              <a:t>Research Objectives, Scope, and </a:t>
+            </a:r>
+            <a:r>
+              <a:rPr lang="en-PH" sz="3200" dirty="0" smtClean="0">
+                <a:solidFill>
+                  <a:schemeClr val="lt2"/>
+                </a:solidFill>
+                <a:latin typeface="Questrial"/>
+                <a:ea typeface="Questrial"/>
+                <a:cs typeface="Questrial"/>
+                <a:sym typeface="Questrial"/>
+              </a:rPr>
+              <a:t>Limitations</a:t>
+            </a:r>
+            <a:r>
+              <a:rPr lang="en-PH" dirty="0" smtClean="0">
+                <a:solidFill>
+                  <a:schemeClr val="lt2"/>
+                </a:solidFill>
+                <a:latin typeface="Questrial"/>
+                <a:ea typeface="Questrial"/>
+                <a:cs typeface="Questrial"/>
+                <a:sym typeface="Questrial"/>
+              </a:rPr>
+              <a:t/>
+            </a:r>
+            <a:br>
+              <a:rPr lang="en-PH" dirty="0" smtClean="0">
+                <a:solidFill>
+                  <a:schemeClr val="lt2"/>
+                </a:solidFill>
+                <a:latin typeface="Questrial"/>
+                <a:ea typeface="Questrial"/>
+                <a:cs typeface="Questrial"/>
+                <a:sym typeface="Questrial"/>
+              </a:rPr>
+            </a:br>
+            <a:r>
+              <a:rPr lang="en-PH" sz="2800" b="0" i="0" u="none" strike="noStrike" cap="none" dirty="0" smtClean="0">
+                <a:solidFill>
+                  <a:schemeClr val="lt2"/>
+                </a:solidFill>
+                <a:latin typeface="Questrial"/>
+                <a:ea typeface="Questrial"/>
+                <a:cs typeface="Questrial"/>
+                <a:sym typeface="Questrial"/>
+              </a:rPr>
+              <a:t>General </a:t>
+            </a:r>
+            <a:r>
+              <a:rPr lang="en-PH" sz="2800" b="0" i="0" u="none" strike="noStrike" cap="none" dirty="0">
+                <a:solidFill>
+                  <a:schemeClr val="lt2"/>
+                </a:solidFill>
+                <a:latin typeface="Questrial"/>
+                <a:ea typeface="Questrial"/>
+                <a:cs typeface="Questrial"/>
+                <a:sym typeface="Questrial"/>
+              </a:rPr>
+              <a:t>Objective</a:t>
+            </a:r>
           </a:p>
         </p:txBody>
       </p:sp>
       <p:sp>
         <p:nvSpPr>
-          <p:cNvPr id="6" name="Text Placeholder 5"/>
-          <p:cNvSpPr>
+          <p:cNvPr id="304" name="Shape 304"/>
+          <p:cNvSpPr txBox="1">
             <a:spLocks noGrp="1"/>
           </p:cNvSpPr>
           <p:nvPr>
-            <p:ph type="body" idx="1"/>
+            <p:ph idx="1"/>
           </p:nvPr>
         </p:nvSpPr>
-        <p:spPr/>
+        <p:spPr>
+          <a:prstGeom prst="rect">
+            <a:avLst/>
+          </a:prstGeom>
+          <a:noFill/>
+          <a:ln>
+            <a:noFill/>
+          </a:ln>
+        </p:spPr>
         <p:txBody>
-          <a:bodyPr/>
-          <a:lstStyle/>
-          <a:p>
-            <a:r>
-              <a:rPr lang="en-US" dirty="0" smtClean="0"/>
-              <a:t>Specific Objective	</a:t>
-            </a:r>
-            <a:endParaRPr lang="en-US" dirty="0"/>
-          </a:p>
-        </p:txBody>
-      </p:sp>
-      <p:sp>
-        <p:nvSpPr>
-          <p:cNvPr id="7" name="Content Placeholder 6"/>
-          <p:cNvSpPr>
-            <a:spLocks noGrp="1"/>
-          </p:cNvSpPr>
-          <p:nvPr>
-            <p:ph sz="half" idx="2"/>
-          </p:nvPr>
-        </p:nvSpPr>
-        <p:spPr/>
-        <p:txBody>
-          <a:bodyPr>
-            <a:normAutofit/>
+          <a:bodyPr lIns="91425" tIns="45700" rIns="91425" bIns="45700" anchor="t" anchorCtr="0">
+            <a:noAutofit/>
           </a:bodyPr>
           <a:lstStyle/>
           <a:p>
-            <a:pPr marL="764540" lvl="0" indent="-457200">
-              <a:lnSpc>
-                <a:spcPct val="115000"/>
-              </a:lnSpc>
+            <a:pPr marR="0" lvl="0" algn="l" rtl="0">
               <a:spcBef>
                 <a:spcPts val="0"/>
               </a:spcBef>
-              <a:buSzPct val="100000"/>
+              <a:spcAft>
+                <a:spcPts val="0"/>
+              </a:spcAft>
+              <a:buClr>
+                <a:schemeClr val="accent1"/>
+              </a:buClr>
+              <a:buSzPct val="80000"/>
               <a:buFont typeface="Century Gothic" panose="020B0502020202020204" pitchFamily="34" charset="0"/>
               <a:buChar char="►"/>
             </a:pPr>
             <a:r>
-              <a:rPr lang="en-PH" sz="2800" dirty="0">
+              <a:rPr lang="en-PH" sz="2800" b="0" i="0" u="none" strike="noStrike" cap="none" dirty="0">
                 <a:solidFill>
-                  <a:schemeClr val="dk1"/>
+                  <a:srgbClr val="3F3F3F"/>
                 </a:solidFill>
+                <a:latin typeface="Questrial"/>
+                <a:ea typeface="Questrial"/>
+                <a:cs typeface="Questrial"/>
+                <a:sym typeface="Questrial"/>
               </a:rPr>
-              <a:t>To build a corpus of social media </a:t>
-            </a:r>
-            <a:r>
-              <a:rPr lang="en-PH" sz="2800" dirty="0" smtClean="0">
-                <a:solidFill>
-                  <a:schemeClr val="dk1"/>
-                </a:solidFill>
-              </a:rPr>
-              <a:t>data</a:t>
-            </a:r>
-            <a:endParaRPr lang="en-PH" sz="2800" dirty="0">
-              <a:solidFill>
-                <a:schemeClr val="dk1"/>
-              </a:solidFill>
-            </a:endParaRPr>
+              <a:t>To produce a visualization of the detected communities on data found on Facebook and Twitter</a:t>
+            </a:r>
           </a:p>
         </p:txBody>
       </p:sp>
-      <p:sp>
-        <p:nvSpPr>
-          <p:cNvPr id="8" name="Text Placeholder 7"/>
-          <p:cNvSpPr>
-            <a:spLocks noGrp="1"/>
-          </p:cNvSpPr>
-          <p:nvPr>
-            <p:ph type="body" sz="quarter" idx="3"/>
-          </p:nvPr>
-        </p:nvSpPr>
-        <p:spPr/>
-        <p:txBody>
-          <a:bodyPr/>
-          <a:lstStyle/>
-          <a:p>
-            <a:r>
-              <a:rPr lang="en-US" dirty="0" smtClean="0"/>
-              <a:t>Scope and Limitations</a:t>
-            </a:r>
-            <a:endParaRPr lang="en-US" dirty="0"/>
-          </a:p>
-        </p:txBody>
-      </p:sp>
-      <p:sp>
-        <p:nvSpPr>
-          <p:cNvPr id="9" name="Content Placeholder 8"/>
-          <p:cNvSpPr>
-            <a:spLocks noGrp="1"/>
-          </p:cNvSpPr>
-          <p:nvPr>
-            <p:ph sz="quarter" idx="4"/>
-          </p:nvPr>
-        </p:nvSpPr>
-        <p:spPr/>
-        <p:txBody>
-          <a:bodyPr>
-            <a:normAutofit/>
-          </a:bodyPr>
-          <a:lstStyle/>
-          <a:p>
-            <a:pPr>
-              <a:buFont typeface="Century Gothic" panose="020B0502020202020204" pitchFamily="34" charset="0"/>
-              <a:buChar char="►"/>
-            </a:pPr>
-            <a:r>
-              <a:rPr lang="en-PH" sz="2800" dirty="0"/>
-              <a:t>Searching for Facebook and Twitter API’s</a:t>
-            </a:r>
-            <a:endParaRPr lang="en-PH" sz="2800" dirty="0" smtClean="0"/>
-          </a:p>
-        </p:txBody>
-      </p:sp>
     </p:spTree>
-    <p:extLst>
-      <p:ext uri="{BB962C8B-B14F-4D97-AF65-F5344CB8AC3E}">
-        <p14:creationId xmlns:p14="http://schemas.microsoft.com/office/powerpoint/2010/main" val="2836005578"/>
-      </p:ext>
-    </p:extLst>
   </p:cSld>
   <p:clrMapOvr>
     <a:masterClrMapping/>
@@ -16041,7 +16248,7 @@
           <a:p>
             <a:r>
               <a:rPr lang="en-US" dirty="0" smtClean="0"/>
-              <a:t>Specific Objective #2</a:t>
+              <a:t>Specific Objective #1</a:t>
             </a:r>
             <a:endParaRPr lang="en-US" dirty="0"/>
           </a:p>
@@ -16087,15 +16294,38 @@
           </a:bodyPr>
           <a:lstStyle/>
           <a:p>
-            <a:r>
-              <a:rPr lang="en-PH" sz="2800" dirty="0"/>
-              <a:t>To determine the various techniques and algorithms in detecting </a:t>
-            </a:r>
-            <a:r>
-              <a:rPr lang="en-PH" sz="2800" dirty="0" smtClean="0"/>
-              <a:t>communities</a:t>
-            </a:r>
-            <a:endParaRPr lang="en-US" sz="2800" dirty="0"/>
+            <a:pPr marL="764540" lvl="0" indent="-457200">
+              <a:lnSpc>
+                <a:spcPct val="115000"/>
+              </a:lnSpc>
+              <a:spcBef>
+                <a:spcPts val="0"/>
+              </a:spcBef>
+              <a:buSzPct val="100000"/>
+              <a:buFont typeface="Century Gothic" panose="020B0502020202020204" pitchFamily="34" charset="0"/>
+              <a:buChar char="►"/>
+            </a:pPr>
+            <a:r>
+              <a:rPr lang="en-PH" sz="2800" dirty="0">
+                <a:solidFill>
+                  <a:schemeClr val="dk1"/>
+                </a:solidFill>
+              </a:rPr>
+              <a:t>To build a corpus of social media </a:t>
+            </a:r>
+            <a:r>
+              <a:rPr lang="en-PH" sz="2800" dirty="0" smtClean="0">
+                <a:solidFill>
+                  <a:schemeClr val="dk1"/>
+                </a:solidFill>
+              </a:rPr>
+              <a:t>data</a:t>
+            </a:r>
+            <a:endParaRPr lang="en-PH" sz="2800" dirty="0">
+              <a:solidFill>
+                <a:schemeClr val="dk1"/>
+              </a:solidFill>
+            </a:endParaRPr>
           </a:p>
         </p:txBody>
       </p:sp>
@@ -16139,28 +16369,27 @@
           </a:bodyPr>
           <a:lstStyle/>
           <a:p>
+            <a:pPr>
+              <a:buFont typeface="Century Gothic" panose="020B0502020202020204" pitchFamily="34" charset="0"/>
+              <a:buChar char="►"/>
+            </a:pPr>
+            <a:r>
+              <a:rPr lang="en-PH" sz="2800" dirty="0"/>
+              <a:t>Searching for Facebook and Twitter </a:t>
+            </a:r>
             <a:r>
               <a:rPr lang="en-PH" sz="2800" dirty="0" smtClean="0"/>
-              <a:t>Identify </a:t>
-            </a:r>
-            <a:r>
-              <a:rPr lang="en-PH" sz="2800" dirty="0"/>
-              <a:t>the appropriate algorithms for clustering users into communities. </a:t>
-            </a:r>
-            <a:endParaRPr lang="en-PH" sz="2800" dirty="0" smtClean="0"/>
-          </a:p>
-          <a:p>
+              <a:t>API’s</a:t>
+            </a:r>
+          </a:p>
+          <a:p>
+            <a:pPr>
+              <a:buFont typeface="Century Gothic" panose="020B0502020202020204" pitchFamily="34" charset="0"/>
+              <a:buChar char="►"/>
+            </a:pPr>
             <a:r>
               <a:rPr lang="en-PH" sz="2800" dirty="0" smtClean="0"/>
-              <a:t>Limited </a:t>
-            </a:r>
-            <a:r>
-              <a:rPr lang="en-PH" sz="2800" dirty="0"/>
-              <a:t>to review of algorithms </a:t>
-            </a:r>
-            <a:r>
-              <a:rPr lang="en-PH" sz="2800" dirty="0" smtClean="0"/>
-              <a:t>in RRL</a:t>
+              <a:t>Collecting data from both social networks using the APIs</a:t>
             </a:r>
           </a:p>
         </p:txBody>
@@ -16168,7 +16397,7 @@
     </p:spTree>
     <p:extLst>
       <p:ext uri="{BB962C8B-B14F-4D97-AF65-F5344CB8AC3E}">
-        <p14:creationId xmlns:p14="http://schemas.microsoft.com/office/powerpoint/2010/main" val="3528530006"/>
+        <p14:creationId xmlns:p14="http://schemas.microsoft.com/office/powerpoint/2010/main" val="2836005578"/>
       </p:ext>
     </p:extLst>
   </p:cSld>
@@ -16219,12 +16448,9 @@
           <a:p>
             <a:r>
               <a:rPr lang="en-US" dirty="0" smtClean="0"/>
-              <a:t>Specific Objective #</a:t>
-            </a:r>
-            <a:r>
-              <a:rPr lang="en-US" dirty="0"/>
-              <a:t>3</a:t>
-            </a:r>
+              <a:t>Specific Objective #2</a:t>
+            </a:r>
+            <a:endParaRPr lang="en-US" dirty="0"/>
           </a:p>
         </p:txBody>
       </p:sp>
@@ -16270,7 +16496,7 @@
           <a:p>
             <a:r>
               <a:rPr lang="en-PH" sz="2800" dirty="0"/>
-              <a:t>To determine the appropriate parameters to use in detecting the </a:t>
+              <a:t>To determine the various techniques and algorithms in detecting </a:t>
             </a:r>
             <a:r>
               <a:rPr lang="en-PH" sz="2800" dirty="0" smtClean="0"/>
@@ -16316,75 +16542,40 @@
         <p:spPr/>
         <p:txBody>
           <a:bodyPr>
-            <a:noAutofit/>
+            <a:normAutofit/>
           </a:bodyPr>
           <a:lstStyle/>
           <a:p>
             <a:r>
-              <a:rPr lang="en-PH" sz="2000" dirty="0" smtClean="0"/>
-              <a:t>Parameters that indicate user similarity</a:t>
-            </a:r>
-          </a:p>
-          <a:p>
-            <a:r>
-              <a:rPr lang="en-PH" sz="2000" dirty="0" smtClean="0"/>
+              <a:rPr lang="en-PH" sz="2800" dirty="0" smtClean="0"/>
+              <a:t>Identify </a:t>
+            </a:r>
+            <a:r>
+              <a:rPr lang="en-PH" sz="2800" dirty="0"/>
+              <a:t>the appropriate algorithms for clustering users into communities. </a:t>
+            </a:r>
+            <a:endParaRPr lang="en-PH" sz="2800" dirty="0" smtClean="0"/>
+          </a:p>
+          <a:p>
+            <a:r>
+              <a:rPr lang="en-PH" sz="2800" dirty="0" smtClean="0"/>
               <a:t>Limited </a:t>
             </a:r>
             <a:r>
-              <a:rPr lang="en-PH" sz="2000" dirty="0"/>
-              <a:t>to </a:t>
-            </a:r>
-            <a:endParaRPr lang="en-PH" sz="2000" dirty="0" smtClean="0"/>
-          </a:p>
-          <a:p>
-            <a:pPr lvl="1">
-              <a:buFont typeface="Arial" panose="020B0604020202020204" pitchFamily="34" charset="0"/>
-              <a:buChar char="•"/>
-            </a:pPr>
-            <a:r>
-              <a:rPr lang="en-PH" sz="2000" dirty="0" smtClean="0"/>
-              <a:t>sentiment analysis</a:t>
-            </a:r>
-          </a:p>
-          <a:p>
-            <a:pPr lvl="1">
-              <a:buFont typeface="Arial" panose="020B0604020202020204" pitchFamily="34" charset="0"/>
-              <a:buChar char="•"/>
-            </a:pPr>
-            <a:r>
-              <a:rPr lang="en-PH" sz="2000" dirty="0" smtClean="0"/>
-              <a:t>elements </a:t>
-            </a:r>
-            <a:r>
-              <a:rPr lang="en-PH" sz="2000" dirty="0"/>
-              <a:t>which can be extracted from a user’s </a:t>
-            </a:r>
-            <a:r>
-              <a:rPr lang="en-PH" sz="2000" dirty="0" smtClean="0"/>
-              <a:t>profile/posts</a:t>
-            </a:r>
-          </a:p>
-          <a:p>
-            <a:r>
-              <a:rPr lang="en-PH" sz="2000" dirty="0" smtClean="0"/>
-              <a:t>Facebook </a:t>
-            </a:r>
-            <a:r>
-              <a:rPr lang="en-PH" sz="2000" dirty="0"/>
-              <a:t>specific </a:t>
-            </a:r>
-            <a:r>
-              <a:rPr lang="en-PH" sz="2000" dirty="0" smtClean="0"/>
-              <a:t>features</a:t>
-            </a:r>
-            <a:endParaRPr lang="en-US" sz="2000" dirty="0"/>
+              <a:rPr lang="en-PH" sz="2800" dirty="0"/>
+              <a:t>to review of algorithms </a:t>
+            </a:r>
+            <a:r>
+              <a:rPr lang="en-PH" sz="2800" dirty="0" smtClean="0"/>
+              <a:t>in RRL</a:t>
+            </a:r>
           </a:p>
         </p:txBody>
       </p:sp>
     </p:spTree>
     <p:extLst>
       <p:ext uri="{BB962C8B-B14F-4D97-AF65-F5344CB8AC3E}">
-        <p14:creationId xmlns:p14="http://schemas.microsoft.com/office/powerpoint/2010/main" val="1458216705"/>
+        <p14:creationId xmlns:p14="http://schemas.microsoft.com/office/powerpoint/2010/main" val="3528530006"/>
       </p:ext>
     </p:extLst>
   </p:cSld>
@@ -16537,17 +16728,20 @@
           <a:lstStyle/>
           <a:p>
             <a:r>
-              <a:rPr lang="en-PH" sz="2800" dirty="0" smtClean="0"/>
-              <a:t>Facebook </a:t>
-            </a:r>
-            <a:r>
-              <a:rPr lang="en-PH" sz="2800" dirty="0"/>
-              <a:t>specific </a:t>
-            </a:r>
-            <a:r>
-              <a:rPr lang="en-PH" sz="2800" dirty="0" smtClean="0"/>
-              <a:t>features such as</a:t>
-            </a:r>
+              <a:rPr lang="en-PH" sz="2000" dirty="0" smtClean="0"/>
+              <a:t>Parameters that indicate user similarity</a:t>
+            </a:r>
+          </a:p>
+          <a:p>
+            <a:r>
+              <a:rPr lang="en-PH" sz="2000" dirty="0" smtClean="0"/>
+              <a:t>Limited </a:t>
+            </a:r>
+            <a:r>
+              <a:rPr lang="en-PH" sz="2000" dirty="0"/>
+              <a:t>to </a:t>
+            </a:r>
+            <a:endParaRPr lang="en-PH" sz="2000" dirty="0" smtClean="0"/>
           </a:p>
           <a:p>
             <a:pPr lvl="1">
@@ -16555,8 +16749,8 @@
               <a:buChar char="•"/>
             </a:pPr>
             <a:r>
-              <a:rPr lang="en-PH" sz="2600" dirty="0" smtClean="0"/>
-              <a:t>Group membership</a:t>
+              <a:rPr lang="en-PH" sz="2000" dirty="0" smtClean="0"/>
+              <a:t>sentiment analysis</a:t>
             </a:r>
           </a:p>
           <a:p>
@@ -16565,43 +16759,39 @@
               <a:buChar char="•"/>
             </a:pPr>
             <a:r>
-              <a:rPr lang="en-PH" sz="2600" dirty="0" smtClean="0"/>
-              <a:t>Likes and reactions</a:t>
-            </a:r>
-          </a:p>
-          <a:p>
-            <a:pPr lvl="1">
-              <a:buFont typeface="Arial" panose="020B0604020202020204" pitchFamily="34" charset="0"/>
-              <a:buChar char="•"/>
-            </a:pPr>
-            <a:r>
-              <a:rPr lang="en-PH" sz="2600" dirty="0" smtClean="0"/>
-              <a:t>Chat Messages</a:t>
-            </a:r>
-          </a:p>
-          <a:p>
-            <a:pPr lvl="1">
-              <a:buFont typeface="Arial" panose="020B0604020202020204" pitchFamily="34" charset="0"/>
-              <a:buChar char="•"/>
-            </a:pPr>
-            <a:r>
-              <a:rPr lang="en-PH" sz="2600" dirty="0" smtClean="0"/>
-              <a:t>Event participation</a:t>
-            </a:r>
-          </a:p>
-          <a:p>
-            <a:pPr lvl="1">
-              <a:buFont typeface="Wingdings" panose="05000000000000000000" pitchFamily="2" charset="2"/>
-              <a:buChar char="Ø"/>
-            </a:pPr>
-            <a:endParaRPr lang="en-US" sz="2800" dirty="0"/>
+              <a:rPr lang="en-PH" sz="2000" dirty="0" smtClean="0"/>
+              <a:t>elements </a:t>
+            </a:r>
+            <a:r>
+              <a:rPr lang="en-PH" sz="2000" dirty="0"/>
+              <a:t>which can be extracted from a user’s </a:t>
+            </a:r>
+            <a:r>
+              <a:rPr lang="en-PH" sz="2000" dirty="0" smtClean="0"/>
+              <a:t>profile/posts</a:t>
+            </a:r>
+          </a:p>
+          <a:p>
+            <a:r>
+              <a:rPr lang="en-PH" sz="2000" dirty="0" smtClean="0"/>
+              <a:t>Facebook </a:t>
+            </a:r>
+            <a:r>
+              <a:rPr lang="en-PH" sz="2000" dirty="0"/>
+              <a:t>specific </a:t>
+            </a:r>
+            <a:r>
+              <a:rPr lang="en-PH" sz="2000" dirty="0" smtClean="0"/>
+              <a:t>features</a:t>
+            </a:r>
+            <a:endParaRPr lang="en-US" sz="2000" dirty="0"/>
           </a:p>
         </p:txBody>
       </p:sp>
     </p:spTree>
     <p:extLst>
       <p:ext uri="{BB962C8B-B14F-4D97-AF65-F5344CB8AC3E}">
-        <p14:creationId xmlns:p14="http://schemas.microsoft.com/office/powerpoint/2010/main" val="2797090084"/>
+        <p14:creationId xmlns:p14="http://schemas.microsoft.com/office/powerpoint/2010/main" val="1458216705"/>
       </p:ext>
     </p:extLst>
   </p:cSld>
@@ -16652,9 +16842,12 @@
           <a:p>
             <a:r>
               <a:rPr lang="en-US" dirty="0" smtClean="0"/>
-              <a:t>Specific Objective #4</a:t>
-            </a:r>
-            <a:endParaRPr lang="en-US" dirty="0"/>
+              <a:t>Specific Objective #</a:t>
+            </a:r>
+            <a:r>
+              <a:rPr lang="en-US" dirty="0"/>
+              <a:t>3</a:t>
+            </a:r>
           </a:p>
         </p:txBody>
       </p:sp>
@@ -16700,7 +16893,11 @@
           <a:p>
             <a:r>
               <a:rPr lang="en-PH" sz="2800" dirty="0"/>
-              <a:t>To determine how to evaluate the correctness of the detected communities</a:t>
+              <a:t>To determine the appropriate parameters to use in detecting the </a:t>
+            </a:r>
+            <a:r>
+              <a:rPr lang="en-PH" sz="2800" dirty="0" smtClean="0"/>
+              <a:t>communities</a:t>
             </a:r>
             <a:endParaRPr lang="en-US" sz="2800" dirty="0"/>
           </a:p>
@@ -16742,29 +16939,76 @@
         <p:spPr/>
         <p:txBody>
           <a:bodyPr>
-            <a:normAutofit/>
+            <a:noAutofit/>
           </a:bodyPr>
           <a:lstStyle/>
           <a:p>
             <a:r>
               <a:rPr lang="en-PH" sz="2800" dirty="0" smtClean="0"/>
-              <a:t>Find </a:t>
+              <a:t>Facebook </a:t>
             </a:r>
             <a:r>
               <a:rPr lang="en-PH" sz="2800" dirty="0"/>
-              <a:t>appropriate metrics in determining the accuracy of detected </a:t>
+              <a:t>specific </a:t>
             </a:r>
             <a:r>
               <a:rPr lang="en-PH" sz="2800" dirty="0" smtClean="0"/>
-              <a:t>communities</a:t>
-            </a:r>
+              <a:t>features such as</a:t>
+            </a:r>
+          </a:p>
+          <a:p>
+            <a:pPr lvl="1">
+              <a:buFont typeface="Arial" panose="020B0604020202020204" pitchFamily="34" charset="0"/>
+              <a:buChar char="•"/>
+            </a:pPr>
+            <a:r>
+              <a:rPr lang="en-PH" sz="2600" dirty="0" smtClean="0"/>
+              <a:t>Group membership</a:t>
+            </a:r>
+          </a:p>
+          <a:p>
+            <a:pPr lvl="1">
+              <a:buFont typeface="Arial" panose="020B0604020202020204" pitchFamily="34" charset="0"/>
+              <a:buChar char="•"/>
+            </a:pPr>
+            <a:r>
+              <a:rPr lang="en-PH" sz="2600" dirty="0" smtClean="0"/>
+              <a:t>Likes and reactions</a:t>
+            </a:r>
+          </a:p>
+          <a:p>
+            <a:pPr lvl="1">
+              <a:buFont typeface="Arial" panose="020B0604020202020204" pitchFamily="34" charset="0"/>
+              <a:buChar char="•"/>
+            </a:pPr>
+            <a:r>
+              <a:rPr lang="en-PH" sz="2600" dirty="0" smtClean="0"/>
+              <a:t>Chat Messages</a:t>
+            </a:r>
+          </a:p>
+          <a:p>
+            <a:pPr lvl="1">
+              <a:buFont typeface="Arial" panose="020B0604020202020204" pitchFamily="34" charset="0"/>
+              <a:buChar char="•"/>
+            </a:pPr>
+            <a:r>
+              <a:rPr lang="en-PH" sz="2600" dirty="0" smtClean="0"/>
+              <a:t>Event participation</a:t>
+            </a:r>
+          </a:p>
+          <a:p>
+            <a:pPr lvl="1">
+              <a:buFont typeface="Wingdings" panose="05000000000000000000" pitchFamily="2" charset="2"/>
+              <a:buChar char="Ø"/>
+            </a:pPr>
+            <a:endParaRPr lang="en-US" sz="2800" dirty="0"/>
           </a:p>
         </p:txBody>
       </p:sp>
     </p:spTree>
     <p:extLst>
       <p:ext uri="{BB962C8B-B14F-4D97-AF65-F5344CB8AC3E}">
-        <p14:creationId xmlns:p14="http://schemas.microsoft.com/office/powerpoint/2010/main" val="482001177"/>
+        <p14:creationId xmlns:p14="http://schemas.microsoft.com/office/powerpoint/2010/main" val="2797090084"/>
       </p:ext>
     </p:extLst>
   </p:cSld>
@@ -16815,7 +17059,7 @@
           <a:p>
             <a:r>
               <a:rPr lang="en-US" dirty="0" smtClean="0"/>
-              <a:t>Specific Objective #5</a:t>
+              <a:t>Specific Objective #4</a:t>
             </a:r>
             <a:endParaRPr lang="en-US" dirty="0"/>
           </a:p>
@@ -16861,23 +17105,11 @@
           </a:bodyPr>
           <a:lstStyle/>
           <a:p>
-            <a:pPr marL="751840" indent="-457200">
-              <a:lnSpc>
-                <a:spcPct val="115000"/>
-              </a:lnSpc>
-              <a:spcBef>
-                <a:spcPts val="0"/>
-              </a:spcBef>
-              <a:buSzPct val="100000"/>
-            </a:pPr>
-            <a:r>
-              <a:rPr lang="en-PH" sz="2800" dirty="0">
-                <a:solidFill>
-                  <a:schemeClr val="dk1"/>
-                </a:solidFill>
-              </a:rPr>
-              <a:t>To implement a tool for the visualization of detected communities using the gathered information</a:t>
-            </a:r>
+            <a:r>
+              <a:rPr lang="en-PH" sz="2800" dirty="0"/>
+              <a:t>To determine how to evaluate the correctness of the detected communities</a:t>
+            </a:r>
+            <a:endParaRPr lang="en-US" sz="2800" dirty="0"/>
           </a:p>
         </p:txBody>
       </p:sp>
@@ -16921,14 +17153,17 @@
           </a:bodyPr>
           <a:lstStyle/>
           <a:p>
-            <a:pPr>
-              <a:spcBef>
-                <a:spcPts val="0"/>
-              </a:spcBef>
-            </a:pPr>
+            <a:r>
+              <a:rPr lang="en-PH" sz="2800" dirty="0" smtClean="0"/>
+              <a:t>Find </a:t>
+            </a:r>
             <a:r>
               <a:rPr lang="en-PH" sz="2800" dirty="0"/>
-              <a:t>Visualization for Facebook and Twitter communities</a:t>
+              <a:t>appropriate metrics in determining the accuracy of detected </a:t>
+            </a:r>
+            <a:r>
+              <a:rPr lang="en-PH" sz="2800" dirty="0" smtClean="0"/>
+              <a:t>communities</a:t>
             </a:r>
           </a:p>
         </p:txBody>
@@ -16936,7 +17171,7 @@
     </p:spTree>
     <p:extLst>
       <p:ext uri="{BB962C8B-B14F-4D97-AF65-F5344CB8AC3E}">
-        <p14:creationId xmlns:p14="http://schemas.microsoft.com/office/powerpoint/2010/main" val="1164063897"/>
+        <p14:creationId xmlns:p14="http://schemas.microsoft.com/office/powerpoint/2010/main" val="482001177"/>
       </p:ext>
     </p:extLst>
   </p:cSld>
@@ -16958,7 +17193,7 @@
   <p:cSld>
     <p:spTree>
       <p:nvGrpSpPr>
-        <p:cNvPr id="1" name="Shape 359"/>
+        <p:cNvPr id="1" name=""/>
         <p:cNvGrpSpPr/>
         <p:nvPr/>
       </p:nvGrpSpPr>
@@ -16972,122 +17207,124 @@
       </p:grpSpPr>
       <p:sp>
         <p:nvSpPr>
-          <p:cNvPr id="360" name="Shape 360"/>
-          <p:cNvSpPr txBox="1">
+          <p:cNvPr id="2" name="Title 1"/>
+          <p:cNvSpPr>
             <a:spLocks noGrp="1"/>
           </p:cNvSpPr>
           <p:nvPr>
             <p:ph type="title"/>
           </p:nvPr>
         </p:nvSpPr>
-        <p:spPr>
-          <a:prstGeom prst="rect">
-            <a:avLst/>
-          </a:prstGeom>
-          <a:noFill/>
-          <a:ln>
-            <a:noFill/>
-          </a:ln>
-        </p:spPr>
+        <p:spPr/>
         <p:txBody>
-          <a:bodyPr lIns="91425" tIns="45700" rIns="91425" bIns="45700" anchor="ctr" anchorCtr="0">
-            <a:noAutofit/>
+          <a:bodyPr/>
+          <a:lstStyle/>
+          <a:p>
+            <a:r>
+              <a:rPr lang="en-US" dirty="0" smtClean="0"/>
+              <a:t>Specific Objective #5</a:t>
+            </a:r>
+            <a:endParaRPr lang="en-US" dirty="0"/>
+          </a:p>
+        </p:txBody>
+      </p:sp>
+      <p:sp>
+        <p:nvSpPr>
+          <p:cNvPr id="6" name="Text Placeholder 5"/>
+          <p:cNvSpPr>
+            <a:spLocks noGrp="1"/>
+          </p:cNvSpPr>
+          <p:nvPr>
+            <p:ph type="body" idx="1"/>
+          </p:nvPr>
+        </p:nvSpPr>
+        <p:spPr/>
+        <p:txBody>
+          <a:bodyPr/>
+          <a:lstStyle/>
+          <a:p>
+            <a:r>
+              <a:rPr lang="en-US" dirty="0" smtClean="0"/>
+              <a:t>Specific Objective	</a:t>
+            </a:r>
+            <a:endParaRPr lang="en-US" dirty="0"/>
+          </a:p>
+        </p:txBody>
+      </p:sp>
+      <p:sp>
+        <p:nvSpPr>
+          <p:cNvPr id="7" name="Content Placeholder 6"/>
+          <p:cNvSpPr>
+            <a:spLocks noGrp="1"/>
+          </p:cNvSpPr>
+          <p:nvPr>
+            <p:ph sz="half" idx="2"/>
+          </p:nvPr>
+        </p:nvSpPr>
+        <p:spPr/>
+        <p:txBody>
+          <a:bodyPr>
+            <a:normAutofit/>
           </a:bodyPr>
           <a:lstStyle/>
           <a:p>
-            <a:pPr lvl="0">
+            <a:pPr marL="751840" indent="-457200">
+              <a:lnSpc>
+                <a:spcPct val="115000"/>
+              </a:lnSpc>
               <a:spcBef>
                 <a:spcPts val="0"/>
               </a:spcBef>
-              <a:buClr>
-                <a:schemeClr val="lt2"/>
-              </a:buClr>
-              <a:buSzPct val="25000"/>
+              <a:buSzPct val="100000"/>
             </a:pPr>
             <a:r>
-              <a:rPr lang="en-PH" dirty="0">
+              <a:rPr lang="en-PH" sz="2800" dirty="0">
                 <a:solidFill>
-                  <a:schemeClr val="lt2"/>
+                  <a:schemeClr val="dk1"/>
                 </a:solidFill>
-                <a:latin typeface="Questrial"/>
-                <a:ea typeface="Questrial"/>
-                <a:cs typeface="Questrial"/>
-                <a:sym typeface="Questrial"/>
               </a:rPr>
-              <a:t>Significance of the </a:t>
-            </a:r>
-            <a:r>
-              <a:rPr lang="en-PH" dirty="0" smtClean="0">
-                <a:solidFill>
-                  <a:schemeClr val="lt2"/>
-                </a:solidFill>
-                <a:latin typeface="Questrial"/>
-                <a:ea typeface="Questrial"/>
-                <a:cs typeface="Questrial"/>
-                <a:sym typeface="Questrial"/>
-              </a:rPr>
-              <a:t>Study</a:t>
-            </a:r>
-            <a:br>
-              <a:rPr lang="en-PH" dirty="0" smtClean="0">
-                <a:solidFill>
-                  <a:schemeClr val="lt2"/>
-                </a:solidFill>
-                <a:latin typeface="Questrial"/>
-                <a:ea typeface="Questrial"/>
-                <a:cs typeface="Questrial"/>
-                <a:sym typeface="Questrial"/>
-              </a:rPr>
-            </a:br>
-            <a:r>
-              <a:rPr lang="en-PH" sz="3200" b="0" i="0" u="none" strike="noStrike" cap="none" dirty="0" smtClean="0">
-                <a:solidFill>
-                  <a:schemeClr val="lt2"/>
-                </a:solidFill>
-                <a:latin typeface="Questrial"/>
-                <a:ea typeface="Questrial"/>
-                <a:cs typeface="Questrial"/>
-                <a:sym typeface="Questrial"/>
-              </a:rPr>
-              <a:t>Community </a:t>
-            </a:r>
-            <a:r>
-              <a:rPr lang="en-PH" sz="3200" b="0" i="0" u="none" strike="noStrike" cap="none" dirty="0">
-                <a:solidFill>
-                  <a:schemeClr val="lt2"/>
-                </a:solidFill>
-                <a:latin typeface="Questrial"/>
-                <a:ea typeface="Questrial"/>
-                <a:cs typeface="Questrial"/>
-                <a:sym typeface="Questrial"/>
-              </a:rPr>
-              <a:t>Detection</a:t>
+              <a:t>To implement a tool for the visualization of detected communities using the gathered information</a:t>
             </a:r>
           </a:p>
         </p:txBody>
       </p:sp>
       <p:sp>
         <p:nvSpPr>
-          <p:cNvPr id="361" name="Shape 361"/>
-          <p:cNvSpPr txBox="1">
+          <p:cNvPr id="8" name="Text Placeholder 7"/>
+          <p:cNvSpPr>
             <a:spLocks noGrp="1"/>
           </p:cNvSpPr>
           <p:nvPr>
-            <p:ph idx="1"/>
+            <p:ph type="body" sz="quarter" idx="3"/>
           </p:nvPr>
         </p:nvSpPr>
-        <p:spPr>
-          <a:prstGeom prst="rect">
-            <a:avLst/>
-          </a:prstGeom>
-          <a:noFill/>
-          <a:ln>
-            <a:noFill/>
-          </a:ln>
-        </p:spPr>
+        <p:spPr/>
         <p:txBody>
-          <a:bodyPr lIns="91425" tIns="45700" rIns="91425" bIns="45700" anchor="t" anchorCtr="0">
-            <a:noAutofit/>
+          <a:bodyPr/>
+          <a:lstStyle/>
+          <a:p>
+            <a:r>
+              <a:rPr lang="en-US" dirty="0" smtClean="0"/>
+              <a:t>Scope and Limitations</a:t>
+            </a:r>
+            <a:endParaRPr lang="en-US" dirty="0"/>
+          </a:p>
+        </p:txBody>
+      </p:sp>
+      <p:sp>
+        <p:nvSpPr>
+          <p:cNvPr id="9" name="Content Placeholder 8"/>
+          <p:cNvSpPr>
+            <a:spLocks noGrp="1"/>
+          </p:cNvSpPr>
+          <p:nvPr>
+            <p:ph sz="quarter" idx="4"/>
+          </p:nvPr>
+        </p:nvSpPr>
+        <p:spPr/>
+        <p:txBody>
+          <a:bodyPr>
+            <a:normAutofit/>
           </a:bodyPr>
           <a:lstStyle/>
           <a:p>
@@ -17097,89 +17334,18 @@
               </a:spcBef>
             </a:pPr>
             <a:r>
-              <a:rPr lang="en-PH" sz="2800" b="0" i="0" u="none" strike="noStrike" cap="none" dirty="0">
-                <a:solidFill>
-                  <a:srgbClr val="3F3F3F"/>
-                </a:solidFill>
-                <a:latin typeface="Questrial"/>
-                <a:ea typeface="Questrial"/>
-                <a:cs typeface="Questrial"/>
-                <a:sym typeface="Questrial"/>
-              </a:rPr>
-              <a:t>Facebook data mining is a new domain</a:t>
-            </a:r>
-            <a:r>
-              <a:rPr lang="en-PH" sz="2800" b="0" i="0" u="none" strike="noStrike" cap="none" dirty="0" smtClean="0">
-                <a:solidFill>
-                  <a:srgbClr val="3F3F3F"/>
-                </a:solidFill>
-                <a:latin typeface="Questrial"/>
-                <a:ea typeface="Questrial"/>
-                <a:cs typeface="Questrial"/>
-                <a:sym typeface="Questrial"/>
-              </a:rPr>
-              <a:t>.</a:t>
-            </a:r>
-          </a:p>
-          <a:p>
-            <a:pPr lvl="0">
-              <a:spcBef>
-                <a:spcPts val="0"/>
-              </a:spcBef>
-            </a:pPr>
-            <a:r>
-              <a:rPr lang="en-PH" sz="2800" dirty="0">
-                <a:solidFill>
-                  <a:srgbClr val="3F3F3F"/>
-                </a:solidFill>
-                <a:latin typeface="Questrial"/>
-                <a:ea typeface="Questrial"/>
-                <a:cs typeface="Questrial"/>
-                <a:sym typeface="Questrial"/>
-              </a:rPr>
-              <a:t>&lt;FB statistics here</a:t>
-            </a:r>
-            <a:r>
-              <a:rPr lang="en-PH" sz="2800" dirty="0" smtClean="0">
-                <a:solidFill>
-                  <a:srgbClr val="3F3F3F"/>
-                </a:solidFill>
-                <a:latin typeface="Questrial"/>
-                <a:ea typeface="Questrial"/>
-                <a:cs typeface="Questrial"/>
-                <a:sym typeface="Questrial"/>
-              </a:rPr>
-              <a:t>&gt;</a:t>
-            </a:r>
-            <a:endParaRPr lang="en-PH" sz="2800" b="0" i="0" u="none" strike="noStrike" cap="none" dirty="0" smtClean="0">
-              <a:solidFill>
-                <a:srgbClr val="3F3F3F"/>
-              </a:solidFill>
-              <a:latin typeface="Questrial"/>
-              <a:ea typeface="Questrial"/>
-              <a:cs typeface="Questrial"/>
-              <a:sym typeface="Questrial"/>
-            </a:endParaRPr>
-          </a:p>
-          <a:p>
-            <a:pPr>
-              <a:spcBef>
-                <a:spcPts val="0"/>
-              </a:spcBef>
-            </a:pPr>
-            <a:endParaRPr lang="en-PH" sz="2800" b="0" i="0" u="none" strike="noStrike" cap="none" dirty="0">
-              <a:solidFill>
-                <a:srgbClr val="3F3F3F"/>
-              </a:solidFill>
-              <a:latin typeface="Questrial"/>
-              <a:ea typeface="Questrial"/>
-              <a:cs typeface="Questrial"/>
-              <a:sym typeface="Questrial"/>
-            </a:endParaRPr>
+              <a:rPr lang="en-PH" sz="2800" dirty="0"/>
+              <a:t>Visualization for Facebook and Twitter communities</a:t>
+            </a:r>
           </a:p>
         </p:txBody>
       </p:sp>
     </p:spTree>
+    <p:extLst>
+      <p:ext uri="{BB962C8B-B14F-4D97-AF65-F5344CB8AC3E}">
+        <p14:creationId xmlns:p14="http://schemas.microsoft.com/office/powerpoint/2010/main" val="1164063897"/>
+      </p:ext>
+    </p:extLst>
   </p:cSld>
   <p:clrMapOvr>
     <a:masterClrMapping/>
@@ -17199,7 +17365,7 @@
   <p:cSld>
     <p:spTree>
       <p:nvGrpSpPr>
-        <p:cNvPr id="1" name="Shape 365"/>
+        <p:cNvPr id="1" name="Shape 359"/>
         <p:cNvGrpSpPr/>
         <p:nvPr/>
       </p:nvGrpSpPr>
@@ -17213,7 +17379,7 @@
       </p:grpSpPr>
       <p:sp>
         <p:nvSpPr>
-          <p:cNvPr id="366" name="Shape 366"/>
+          <p:cNvPr id="360" name="Shape 360"/>
           <p:cNvSpPr txBox="1">
             <a:spLocks noGrp="1"/>
           </p:cNvSpPr>
@@ -17236,7 +17402,7 @@
           </a:bodyPr>
           <a:lstStyle/>
           <a:p>
-            <a:pPr marL="0" marR="0" lvl="0" indent="0" algn="l" rtl="0">
+            <a:pPr lvl="0">
               <a:spcBef>
                 <a:spcPts val="0"/>
               </a:spcBef>
@@ -17244,11 +17410,9 @@
                 <a:schemeClr val="lt2"/>
               </a:buClr>
               <a:buSzPct val="25000"/>
-              <a:buFont typeface="Questrial"/>
-              <a:buNone/>
             </a:pPr>
             <a:r>
-              <a:rPr lang="en-PH" sz="3600" b="0" i="0" u="none" strike="noStrike" cap="none">
+              <a:rPr lang="en-PH" dirty="0">
                 <a:solidFill>
                   <a:schemeClr val="lt2"/>
                 </a:solidFill>
@@ -17257,14 +17421,61 @@
                 <a:cs typeface="Questrial"/>
                 <a:sym typeface="Questrial"/>
               </a:rPr>
-              <a:t>Target Users and Domain</a:t>
+              <a:t>Significance of the </a:t>
+            </a:r>
+            <a:r>
+              <a:rPr lang="en-PH" dirty="0" smtClean="0">
+                <a:solidFill>
+                  <a:schemeClr val="lt2"/>
+                </a:solidFill>
+                <a:latin typeface="Questrial"/>
+                <a:ea typeface="Questrial"/>
+                <a:cs typeface="Questrial"/>
+                <a:sym typeface="Questrial"/>
+              </a:rPr>
+              <a:t>Study</a:t>
+            </a:r>
+            <a:br>
+              <a:rPr lang="en-PH" dirty="0" smtClean="0">
+                <a:solidFill>
+                  <a:schemeClr val="lt2"/>
+                </a:solidFill>
+                <a:latin typeface="Questrial"/>
+                <a:ea typeface="Questrial"/>
+                <a:cs typeface="Questrial"/>
+                <a:sym typeface="Questrial"/>
+              </a:rPr>
+            </a:br>
+            <a:r>
+              <a:rPr lang="en-PH" sz="3200" b="0" i="0" u="none" strike="noStrike" cap="none" dirty="0" smtClean="0">
+                <a:solidFill>
+                  <a:schemeClr val="lt2"/>
+                </a:solidFill>
+                <a:latin typeface="Questrial"/>
+                <a:ea typeface="Questrial"/>
+                <a:cs typeface="Questrial"/>
+                <a:sym typeface="Questrial"/>
+              </a:rPr>
+              <a:t>Community </a:t>
+            </a:r>
+            <a:r>
+              <a:rPr lang="en-PH" sz="3200" b="0" i="0" u="none" strike="noStrike" cap="none" dirty="0">
+                <a:solidFill>
+                  <a:schemeClr val="lt2"/>
+                </a:solidFill>
+                <a:latin typeface="Questrial"/>
+                <a:ea typeface="Questrial"/>
+                <a:cs typeface="Questrial"/>
+                <a:sym typeface="Questrial"/>
+              </a:rPr>
+              <a:t>Detection</a:t>
             </a:r>
           </a:p>
         </p:txBody>
       </p:sp>
       <p:sp>
         <p:nvSpPr>
-          <p:cNvPr id="367" name="Shape 367"/>
+          <p:cNvPr id="361" name="Shape 361"/>
           <p:cNvSpPr txBox="1">
             <a:spLocks noGrp="1"/>
           </p:cNvSpPr>
@@ -17302,16 +17513,10 @@
                 <a:cs typeface="Questrial"/>
                 <a:sym typeface="Questrial"/>
               </a:rPr>
-              <a:t>This research can also be a very useful tool in the domains of</a:t>
-            </a:r>
-          </a:p>
-          <a:p>
-            <a:pPr lvl="1">
-              <a:buFont typeface="Arial" panose="020B0604020202020204" pitchFamily="34" charset="0"/>
-              <a:buChar char="•"/>
-            </a:pPr>
-            <a:r>
-              <a:rPr lang="en-PH" sz="2800" b="0" i="0" u="none" strike="noStrike" cap="none" dirty="0">
+              <a:t>Facebook data mining is a </a:t>
+            </a:r>
+            <a:r>
+              <a:rPr lang="en-PH" sz="2800" dirty="0" smtClean="0">
                 <a:solidFill>
                   <a:srgbClr val="3F3F3F"/>
                 </a:solidFill>
@@ -17320,16 +17525,10 @@
                 <a:cs typeface="Questrial"/>
                 <a:sym typeface="Questrial"/>
               </a:rPr>
-              <a:t>viral marketing</a:t>
-            </a:r>
-          </a:p>
-          <a:p>
-            <a:pPr lvl="1">
-              <a:buFont typeface="Arial" panose="020B0604020202020204" pitchFamily="34" charset="0"/>
-              <a:buChar char="•"/>
-            </a:pPr>
-            <a:r>
-              <a:rPr lang="en-PH" sz="2800" b="0" i="0" u="none" strike="noStrike" cap="none" dirty="0">
+              <a:t>less frequently visited </a:t>
+            </a:r>
+            <a:r>
+              <a:rPr lang="en-PH" sz="2800" b="0" i="0" u="none" strike="noStrike" cap="none" dirty="0" smtClean="0">
                 <a:solidFill>
                   <a:srgbClr val="3F3F3F"/>
                 </a:solidFill>
@@ -17338,8 +17537,52 @@
                 <a:cs typeface="Questrial"/>
                 <a:sym typeface="Questrial"/>
               </a:rPr>
-              <a:t>political endorsement. </a:t>
-            </a:r>
+              <a:t>domain.</a:t>
+            </a:r>
+          </a:p>
+          <a:p>
+            <a:pPr lvl="0">
+              <a:spcBef>
+                <a:spcPts val="0"/>
+              </a:spcBef>
+            </a:pPr>
+            <a:r>
+              <a:rPr lang="en-PH" sz="2800" dirty="0" smtClean="0">
+                <a:solidFill>
+                  <a:srgbClr val="3F3F3F"/>
+                </a:solidFill>
+                <a:latin typeface="Questrial"/>
+                <a:ea typeface="Questrial"/>
+                <a:cs typeface="Questrial"/>
+                <a:sym typeface="Questrial"/>
+              </a:rPr>
+              <a:t>Determining whether Facebook data improves community detection could contribute to the domain.</a:t>
+            </a:r>
+            <a:endParaRPr lang="en-PH" sz="2800" b="0" i="0" u="none" strike="noStrike" cap="none" dirty="0" smtClean="0">
+              <a:solidFill>
+                <a:srgbClr val="3F3F3F"/>
+              </a:solidFill>
+              <a:latin typeface="Questrial"/>
+              <a:ea typeface="Questrial"/>
+              <a:cs typeface="Questrial"/>
+              <a:sym typeface="Questrial"/>
+            </a:endParaRPr>
+          </a:p>
+          <a:p>
+            <a:pPr>
+              <a:spcBef>
+                <a:spcPts val="0"/>
+              </a:spcBef>
+            </a:pPr>
+            <a:endParaRPr lang="en-PH" sz="2800" b="0" i="0" u="none" strike="noStrike" cap="none" dirty="0">
+              <a:solidFill>
+                <a:srgbClr val="3F3F3F"/>
+              </a:solidFill>
+              <a:latin typeface="Questrial"/>
+              <a:ea typeface="Questrial"/>
+              <a:cs typeface="Questrial"/>
+              <a:sym typeface="Questrial"/>
+            </a:endParaRPr>
           </a:p>
         </p:txBody>
       </p:sp>
@@ -17363,7 +17606,7 @@
   <p:cSld>
     <p:spTree>
       <p:nvGrpSpPr>
-        <p:cNvPr id="1" name="Shape 371"/>
+        <p:cNvPr id="1" name="Shape 365"/>
         <p:cNvGrpSpPr/>
         <p:nvPr/>
       </p:nvGrpSpPr>
@@ -17377,7 +17620,7 @@
       </p:grpSpPr>
       <p:sp>
         <p:nvSpPr>
-          <p:cNvPr id="372" name="Shape 372"/>
+          <p:cNvPr id="366" name="Shape 366"/>
           <p:cNvSpPr txBox="1">
             <a:spLocks noGrp="1"/>
           </p:cNvSpPr>
@@ -17428,7 +17671,7 @@
       </p:sp>
       <p:sp>
         <p:nvSpPr>
-          <p:cNvPr id="373" name="Shape 373"/>
+          <p:cNvPr id="367" name="Shape 367"/>
           <p:cNvSpPr txBox="1">
             <a:spLocks noGrp="1"/>
           </p:cNvSpPr>
@@ -17466,10 +17709,14 @@
                 <a:cs typeface="Questrial"/>
                 <a:sym typeface="Questrial"/>
               </a:rPr>
-              <a:t>Interested companies may use the result of this research to improve their sales and marketing. </a:t>
-            </a:r>
-          </a:p>
-          <a:p>
+              <a:t>This research can also be a very useful tool in the domains of</a:t>
+            </a:r>
+          </a:p>
+          <a:p>
+            <a:pPr lvl="1">
+              <a:buFont typeface="Arial" panose="020B0604020202020204" pitchFamily="34" charset="0"/>
+              <a:buChar char="•"/>
+            </a:pPr>
             <a:r>
               <a:rPr lang="en-PH" sz="2800" b="0" i="0" u="none" strike="noStrike" cap="none" dirty="0">
                 <a:solidFill>
@@ -17480,21 +17727,11 @@
                 <a:cs typeface="Questrial"/>
                 <a:sym typeface="Questrial"/>
               </a:rPr>
-              <a:t>The government may use this to gauge </a:t>
-            </a:r>
-          </a:p>
-          <a:p>
-            <a:pPr marR="0" lvl="1" algn="l" rtl="0">
-              <a:spcBef>
-                <a:spcPts val="1000"/>
-              </a:spcBef>
-              <a:spcAft>
-                <a:spcPts val="0"/>
-              </a:spcAft>
-              <a:buClr>
-                <a:schemeClr val="accent1"/>
-              </a:buClr>
-              <a:buSzPct val="80000"/>
+              <a:t>viral marketing</a:t>
+            </a:r>
+          </a:p>
+          <a:p>
+            <a:pPr lvl="1">
               <a:buFont typeface="Arial" panose="020B0604020202020204" pitchFamily="34" charset="0"/>
               <a:buChar char="•"/>
             </a:pPr>
@@ -17508,61 +17745,8 @@
                 <a:cs typeface="Questrial"/>
                 <a:sym typeface="Questrial"/>
               </a:rPr>
-              <a:t>public opinion on certain issues </a:t>
-            </a:r>
-          </a:p>
-          <a:p>
-            <a:pPr marR="0" lvl="1" algn="l" rtl="0">
-              <a:spcBef>
-                <a:spcPts val="1000"/>
-              </a:spcBef>
-              <a:spcAft>
-                <a:spcPts val="0"/>
-              </a:spcAft>
-              <a:buClr>
-                <a:schemeClr val="accent1"/>
-              </a:buClr>
-              <a:buSzPct val="80000"/>
-              <a:buFont typeface="Arial" panose="020B0604020202020204" pitchFamily="34" charset="0"/>
-              <a:buChar char="•"/>
-            </a:pPr>
-            <a:r>
-              <a:rPr lang="en-PH" sz="2800" b="0" i="0" u="none" strike="noStrike" cap="none" dirty="0">
-                <a:solidFill>
-                  <a:srgbClr val="3F3F3F"/>
-                </a:solidFill>
-                <a:latin typeface="Questrial"/>
-                <a:ea typeface="Questrial"/>
-                <a:cs typeface="Questrial"/>
-                <a:sym typeface="Questrial"/>
-              </a:rPr>
-              <a:t>which geographical areas have a particular opinion. </a:t>
-            </a:r>
-          </a:p>
-          <a:p>
-            <a:pPr marL="342900" marR="0" lvl="0" indent="-342900" algn="l" rtl="0">
-              <a:spcBef>
-                <a:spcPts val="1000"/>
-              </a:spcBef>
-              <a:spcAft>
-                <a:spcPts val="0"/>
-              </a:spcAft>
-              <a:buClr>
-                <a:schemeClr val="accent1"/>
-              </a:buClr>
-              <a:buSzPct val="80000"/>
-              <a:buFont typeface="Noto Sans Symbols"/>
-              <a:buNone/>
-            </a:pPr>
-            <a:endParaRPr sz="2800" b="0" i="0" u="none" strike="noStrike" cap="none" dirty="0">
-              <a:solidFill>
-                <a:srgbClr val="3F3F3F"/>
-              </a:solidFill>
-              <a:latin typeface="Questrial"/>
-              <a:ea typeface="Questrial"/>
-              <a:cs typeface="Questrial"/>
-              <a:sym typeface="Questrial"/>
-            </a:endParaRPr>
+              <a:t>political endorsement. </a:t>
+            </a:r>
           </a:p>
         </p:txBody>
       </p:sp>
@@ -17689,7 +17873,7 @@
               <a:buAutoNum type="arabicPeriod"/>
             </a:pPr>
             <a:r>
-              <a:rPr lang="en-PH" sz="2800"/>
+              <a:rPr lang="en-PH" sz="2800" dirty="0"/>
               <a:t>Overview of Current State of Technology</a:t>
             </a:r>
           </a:p>
@@ -17709,7 +17893,7 @@
               <a:buAutoNum type="arabicPeriod"/>
             </a:pPr>
             <a:r>
-              <a:rPr lang="en-PH" sz="2800"/>
+              <a:rPr lang="en-PH" sz="2800" dirty="0"/>
               <a:t>Research Objectives and Scope and Limitations</a:t>
             </a:r>
           </a:p>
@@ -17729,9 +17913,34 @@
               <a:buAutoNum type="arabicPeriod"/>
             </a:pPr>
             <a:r>
-              <a:rPr lang="en-PH" sz="2800"/>
-              <a:t>Significance of the Study</a:t>
-            </a:r>
+              <a:rPr lang="en-PH" sz="2800" dirty="0"/>
+              <a:t>Significance of the </a:t>
+            </a:r>
+            <a:r>
+              <a:rPr lang="en-PH" sz="2800" dirty="0" smtClean="0"/>
+              <a:t>Study</a:t>
+            </a:r>
+          </a:p>
+          <a:p>
+            <a:pPr marL="342900" marR="0" lvl="0" indent="-378460" algn="l" rtl="0">
+              <a:spcBef>
+                <a:spcPts val="1000"/>
+              </a:spcBef>
+              <a:spcAft>
+                <a:spcPts val="0"/>
+              </a:spcAft>
+              <a:buClr>
+                <a:schemeClr val="accent1"/>
+              </a:buClr>
+              <a:buSzPct val="100000"/>
+              <a:buFont typeface="Questrial"/>
+              <a:buAutoNum type="arabicPeriod"/>
+            </a:pPr>
+            <a:r>
+              <a:rPr lang="en-PH" sz="2800" dirty="0" smtClean="0"/>
+              <a:t>Research Methodology</a:t>
+            </a:r>
+            <a:endParaRPr lang="en-PH" sz="2800" dirty="0"/>
           </a:p>
         </p:txBody>
       </p:sp>
@@ -17755,7 +17964,7 @@
   <p:cSld>
     <p:spTree>
       <p:nvGrpSpPr>
-        <p:cNvPr id="1" name="Shape 377"/>
+        <p:cNvPr id="1" name="Shape 371"/>
         <p:cNvGrpSpPr/>
         <p:nvPr/>
       </p:nvGrpSpPr>
@@ -17769,7 +17978,7 @@
       </p:grpSpPr>
       <p:sp>
         <p:nvSpPr>
-          <p:cNvPr id="378" name="Shape 378"/>
+          <p:cNvPr id="372" name="Shape 372"/>
           <p:cNvSpPr txBox="1">
             <a:spLocks noGrp="1"/>
           </p:cNvSpPr>
@@ -17804,7 +18013,7 @@
               <a:buNone/>
             </a:pPr>
             <a:r>
-              <a:rPr lang="en-PH" sz="4000" b="0" i="0" u="none" strike="noStrike" cap="none">
+              <a:rPr lang="en-PH" sz="3600" b="0" i="0" u="none" strike="noStrike" cap="none">
                 <a:solidFill>
                   <a:schemeClr val="lt2"/>
                 </a:solidFill>
@@ -17813,19 +18022,191 @@
                 <a:cs typeface="Questrial"/>
                 <a:sym typeface="Questrial"/>
               </a:rPr>
-              <a:t>Thank You!</a:t>
+              <a:t>Target Users and Domain</a:t>
             </a:r>
           </a:p>
         </p:txBody>
       </p:sp>
       <p:sp>
         <p:nvSpPr>
-          <p:cNvPr id="379" name="Shape 379"/>
+          <p:cNvPr id="373" name="Shape 373"/>
           <p:cNvSpPr txBox="1">
             <a:spLocks noGrp="1"/>
           </p:cNvSpPr>
           <p:nvPr>
-            <p:ph type="body" idx="1"/>
+            <p:ph idx="1"/>
+          </p:nvPr>
+        </p:nvSpPr>
+        <p:spPr>
+          <a:prstGeom prst="rect">
+            <a:avLst/>
+          </a:prstGeom>
+          <a:noFill/>
+          <a:ln>
+            <a:noFill/>
+          </a:ln>
+        </p:spPr>
+        <p:txBody>
+          <a:bodyPr lIns="91425" tIns="45700" rIns="91425" bIns="45700" anchor="t" anchorCtr="0">
+            <a:noAutofit/>
+          </a:bodyPr>
+          <a:lstStyle/>
+          <a:p>
+            <a:pPr>
+              <a:spcBef>
+                <a:spcPts val="0"/>
+              </a:spcBef>
+            </a:pPr>
+            <a:r>
+              <a:rPr lang="en-PH" sz="2800" b="0" i="0" u="none" strike="noStrike" cap="none" dirty="0">
+                <a:solidFill>
+                  <a:srgbClr val="3F3F3F"/>
+                </a:solidFill>
+                <a:latin typeface="Questrial"/>
+                <a:ea typeface="Questrial"/>
+                <a:cs typeface="Questrial"/>
+                <a:sym typeface="Questrial"/>
+              </a:rPr>
+              <a:t>Interested companies may use the result of this research to improve their sales and marketing. </a:t>
+            </a:r>
+          </a:p>
+          <a:p>
+            <a:r>
+              <a:rPr lang="en-PH" sz="2800" b="0" i="0" u="none" strike="noStrike" cap="none" dirty="0">
+                <a:solidFill>
+                  <a:srgbClr val="3F3F3F"/>
+                </a:solidFill>
+                <a:latin typeface="Questrial"/>
+                <a:ea typeface="Questrial"/>
+                <a:cs typeface="Questrial"/>
+                <a:sym typeface="Questrial"/>
+              </a:rPr>
+              <a:t>The government may use this to gauge </a:t>
+            </a:r>
+          </a:p>
+          <a:p>
+            <a:pPr marR="0" lvl="1" algn="l" rtl="0">
+              <a:spcBef>
+                <a:spcPts val="1000"/>
+              </a:spcBef>
+              <a:spcAft>
+                <a:spcPts val="0"/>
+              </a:spcAft>
+              <a:buClr>
+                <a:schemeClr val="accent1"/>
+              </a:buClr>
+              <a:buSzPct val="80000"/>
+              <a:buFont typeface="Arial" panose="020B0604020202020204" pitchFamily="34" charset="0"/>
+              <a:buChar char="•"/>
+            </a:pPr>
+            <a:r>
+              <a:rPr lang="en-PH" sz="2800" b="0" i="0" u="none" strike="noStrike" cap="none" dirty="0">
+                <a:solidFill>
+                  <a:srgbClr val="3F3F3F"/>
+                </a:solidFill>
+                <a:latin typeface="Questrial"/>
+                <a:ea typeface="Questrial"/>
+                <a:cs typeface="Questrial"/>
+                <a:sym typeface="Questrial"/>
+              </a:rPr>
+              <a:t>public opinion on certain issues </a:t>
+            </a:r>
+          </a:p>
+          <a:p>
+            <a:pPr marR="0" lvl="1" algn="l" rtl="0">
+              <a:spcBef>
+                <a:spcPts val="1000"/>
+              </a:spcBef>
+              <a:spcAft>
+                <a:spcPts val="0"/>
+              </a:spcAft>
+              <a:buClr>
+                <a:schemeClr val="accent1"/>
+              </a:buClr>
+              <a:buSzPct val="80000"/>
+              <a:buFont typeface="Arial" panose="020B0604020202020204" pitchFamily="34" charset="0"/>
+              <a:buChar char="•"/>
+            </a:pPr>
+            <a:r>
+              <a:rPr lang="en-PH" sz="2800" b="0" i="0" u="none" strike="noStrike" cap="none" dirty="0">
+                <a:solidFill>
+                  <a:srgbClr val="3F3F3F"/>
+                </a:solidFill>
+                <a:latin typeface="Questrial"/>
+                <a:ea typeface="Questrial"/>
+                <a:cs typeface="Questrial"/>
+                <a:sym typeface="Questrial"/>
+              </a:rPr>
+              <a:t>which geographical areas have a particular opinion. </a:t>
+            </a:r>
+          </a:p>
+          <a:p>
+            <a:pPr marL="342900" marR="0" lvl="0" indent="-342900" algn="l" rtl="0">
+              <a:spcBef>
+                <a:spcPts val="1000"/>
+              </a:spcBef>
+              <a:spcAft>
+                <a:spcPts val="0"/>
+              </a:spcAft>
+              <a:buClr>
+                <a:schemeClr val="accent1"/>
+              </a:buClr>
+              <a:buSzPct val="80000"/>
+              <a:buFont typeface="Noto Sans Symbols"/>
+              <a:buNone/>
+            </a:pPr>
+            <a:endParaRPr sz="2800" b="0" i="0" u="none" strike="noStrike" cap="none" dirty="0">
+              <a:solidFill>
+                <a:srgbClr val="3F3F3F"/>
+              </a:solidFill>
+              <a:latin typeface="Questrial"/>
+              <a:ea typeface="Questrial"/>
+              <a:cs typeface="Questrial"/>
+              <a:sym typeface="Questrial"/>
+            </a:endParaRPr>
+          </a:p>
+        </p:txBody>
+      </p:sp>
+    </p:spTree>
+  </p:cSld>
+  <p:clrMapOvr>
+    <a:masterClrMapping/>
+  </p:clrMapOvr>
+  <p:timing>
+    <p:tnLst>
+      <p:par>
+        <p:cTn id="1" dur="indefinite" restart="never" nodeType="tmRoot"/>
+      </p:par>
+    </p:tnLst>
+  </p:timing>
+</p:sld>
+</file>
+
+<file path=ppt/slides/slide21.xml><?xml version="1.0" encoding="utf-8"?>
+<p:sld xmlns:a="http://schemas.openxmlformats.org/drawingml/2006/main" xmlns:r="http://schemas.openxmlformats.org/officeDocument/2006/relationships" xmlns:p="http://schemas.openxmlformats.org/presentationml/2006/main">
+  <p:cSld>
+    <p:spTree>
+      <p:nvGrpSpPr>
+        <p:cNvPr id="1" name="Shape 371"/>
+        <p:cNvGrpSpPr/>
+        <p:nvPr/>
+      </p:nvGrpSpPr>
+      <p:grpSpPr>
+        <a:xfrm>
+          <a:off x="0" y="0"/>
+          <a:ext cx="0" cy="0"/>
+          <a:chOff x="0" y="0"/>
+          <a:chExt cx="0" cy="0"/>
+        </a:xfrm>
+      </p:grpSpPr>
+      <p:sp>
+        <p:nvSpPr>
+          <p:cNvPr id="372" name="Shape 372"/>
+          <p:cNvSpPr txBox="1">
+            <a:spLocks noGrp="1"/>
+          </p:cNvSpPr>
+          <p:nvPr>
+            <p:ph type="title"/>
           </p:nvPr>
         </p:nvSpPr>
         <p:spPr>
@@ -17847,19 +18228,28 @@
               <a:spcBef>
                 <a:spcPts val="0"/>
               </a:spcBef>
-              <a:spcAft>
-                <a:spcPts val="0"/>
-              </a:spcAft>
               <a:buClr>
-                <a:schemeClr val="accent1"/>
+                <a:schemeClr val="lt2"/>
               </a:buClr>
               <a:buSzPct val="25000"/>
-              <a:buFont typeface="Noto Sans Symbols"/>
+              <a:buFont typeface="Questrial"/>
               <a:buNone/>
             </a:pPr>
-            <a:endParaRPr sz="2000" b="0" i="0" u="none" strike="noStrike" cap="none">
+            <a:r>
+              <a:rPr lang="en-PH" sz="3600" b="0" i="0" u="none" strike="noStrike" cap="none" dirty="0" smtClean="0">
+                <a:solidFill>
+                  <a:schemeClr val="lt2"/>
+                </a:solidFill>
+                <a:latin typeface="Questrial"/>
+                <a:ea typeface="Questrial"/>
+                <a:cs typeface="Questrial"/>
+                <a:sym typeface="Questrial"/>
+              </a:rPr>
+              <a:t>Research Methodology</a:t>
+            </a:r>
+            <a:endParaRPr lang="en-PH" sz="3600" b="0" i="0" u="none" strike="noStrike" cap="none" dirty="0">
               <a:solidFill>
-                <a:srgbClr val="EE52A4"/>
+                <a:schemeClr val="lt2"/>
               </a:solidFill>
               <a:latin typeface="Questrial"/>
               <a:ea typeface="Questrial"/>
@@ -17869,7 +18259,1057 @@
           </a:p>
         </p:txBody>
       </p:sp>
+      <p:sp>
+        <p:nvSpPr>
+          <p:cNvPr id="373" name="Shape 373"/>
+          <p:cNvSpPr txBox="1">
+            <a:spLocks noGrp="1"/>
+          </p:cNvSpPr>
+          <p:nvPr>
+            <p:ph idx="1"/>
+          </p:nvPr>
+        </p:nvSpPr>
+        <p:spPr>
+          <a:prstGeom prst="rect">
+            <a:avLst/>
+          </a:prstGeom>
+          <a:noFill/>
+          <a:ln>
+            <a:noFill/>
+          </a:ln>
+        </p:spPr>
+        <p:txBody>
+          <a:bodyPr lIns="91425" tIns="45700" rIns="91425" bIns="45700" anchor="t" anchorCtr="0">
+            <a:noAutofit/>
+          </a:bodyPr>
+          <a:lstStyle/>
+          <a:p>
+            <a:r>
+              <a:rPr lang="en-US" sz="3200" b="0" i="0" u="none" strike="noStrike" cap="none" dirty="0" smtClean="0">
+                <a:solidFill>
+                  <a:srgbClr val="3F3F3F"/>
+                </a:solidFill>
+                <a:latin typeface="Questrial"/>
+                <a:ea typeface="Questrial"/>
+                <a:cs typeface="Questrial"/>
+                <a:sym typeface="Questrial"/>
+              </a:rPr>
+              <a:t>3 Phases</a:t>
+            </a:r>
+          </a:p>
+          <a:p>
+            <a:pPr marL="971550" lvl="1" indent="-514350">
+              <a:buFont typeface="+mj-lt"/>
+              <a:buAutoNum type="arabicPeriod"/>
+            </a:pPr>
+            <a:r>
+              <a:rPr lang="en-US" sz="3200" b="0" i="0" u="none" strike="noStrike" cap="none" dirty="0" smtClean="0">
+                <a:solidFill>
+                  <a:srgbClr val="3F3F3F"/>
+                </a:solidFill>
+                <a:latin typeface="Questrial"/>
+                <a:ea typeface="Questrial"/>
+                <a:cs typeface="Questrial"/>
+                <a:sym typeface="Questrial"/>
+              </a:rPr>
+              <a:t>Preparation</a:t>
+            </a:r>
+          </a:p>
+          <a:p>
+            <a:pPr marL="971550" lvl="1" indent="-514350">
+              <a:buFont typeface="+mj-lt"/>
+              <a:buAutoNum type="arabicPeriod"/>
+            </a:pPr>
+            <a:r>
+              <a:rPr lang="en-US" sz="3200" dirty="0" smtClean="0">
+                <a:solidFill>
+                  <a:srgbClr val="3F3F3F"/>
+                </a:solidFill>
+                <a:latin typeface="Questrial"/>
+                <a:ea typeface="Questrial"/>
+                <a:cs typeface="Questrial"/>
+                <a:sym typeface="Questrial"/>
+              </a:rPr>
+              <a:t>Iterative Experimentation</a:t>
+            </a:r>
+          </a:p>
+          <a:p>
+            <a:pPr marL="971550" lvl="1" indent="-514350">
+              <a:buFont typeface="+mj-lt"/>
+              <a:buAutoNum type="arabicPeriod"/>
+            </a:pPr>
+            <a:r>
+              <a:rPr lang="en-US" sz="3200" b="0" i="0" u="none" strike="noStrike" cap="none" dirty="0" smtClean="0">
+                <a:solidFill>
+                  <a:srgbClr val="3F3F3F"/>
+                </a:solidFill>
+                <a:latin typeface="Questrial"/>
+                <a:ea typeface="Questrial"/>
+                <a:cs typeface="Questrial"/>
+                <a:sym typeface="Questrial"/>
+              </a:rPr>
+              <a:t>Analysis and </a:t>
+            </a:r>
+            <a:r>
+              <a:rPr lang="en-US" sz="3200" b="0" i="0" u="none" strike="noStrike" cap="none" dirty="0" err="1" smtClean="0">
+                <a:solidFill>
+                  <a:srgbClr val="3F3F3F"/>
+                </a:solidFill>
+                <a:latin typeface="Questrial"/>
+                <a:ea typeface="Questrial"/>
+                <a:cs typeface="Questrial"/>
+                <a:sym typeface="Questrial"/>
+              </a:rPr>
+              <a:t>FInalization</a:t>
+            </a:r>
+            <a:endParaRPr sz="3200" b="0" i="0" u="none" strike="noStrike" cap="none" dirty="0">
+              <a:solidFill>
+                <a:srgbClr val="3F3F3F"/>
+              </a:solidFill>
+              <a:latin typeface="Questrial"/>
+              <a:ea typeface="Questrial"/>
+              <a:cs typeface="Questrial"/>
+              <a:sym typeface="Questrial"/>
+            </a:endParaRPr>
+          </a:p>
+        </p:txBody>
+      </p:sp>
     </p:spTree>
+    <p:extLst>
+      <p:ext uri="{BB962C8B-B14F-4D97-AF65-F5344CB8AC3E}">
+        <p14:creationId xmlns:p14="http://schemas.microsoft.com/office/powerpoint/2010/main" val="3001060249"/>
+      </p:ext>
+    </p:extLst>
+  </p:cSld>
+  <p:clrMapOvr>
+    <a:masterClrMapping/>
+  </p:clrMapOvr>
+  <p:timing>
+    <p:tnLst>
+      <p:par>
+        <p:cTn id="1" dur="indefinite" restart="never" nodeType="tmRoot"/>
+      </p:par>
+    </p:tnLst>
+  </p:timing>
+</p:sld>
+</file>
+
+<file path=ppt/slides/slide22.xml><?xml version="1.0" encoding="utf-8"?>
+<p:sld xmlns:a="http://schemas.openxmlformats.org/drawingml/2006/main" xmlns:r="http://schemas.openxmlformats.org/officeDocument/2006/relationships" xmlns:p="http://schemas.openxmlformats.org/presentationml/2006/main">
+  <p:cSld>
+    <p:spTree>
+      <p:nvGrpSpPr>
+        <p:cNvPr id="1" name=""/>
+        <p:cNvGrpSpPr/>
+        <p:nvPr/>
+      </p:nvGrpSpPr>
+      <p:grpSpPr>
+        <a:xfrm>
+          <a:off x="0" y="0"/>
+          <a:ext cx="0" cy="0"/>
+          <a:chOff x="0" y="0"/>
+          <a:chExt cx="0" cy="0"/>
+        </a:xfrm>
+      </p:grpSpPr>
+      <p:sp>
+        <p:nvSpPr>
+          <p:cNvPr id="2" name="Title 1"/>
+          <p:cNvSpPr>
+            <a:spLocks noGrp="1"/>
+          </p:cNvSpPr>
+          <p:nvPr>
+            <p:ph type="title"/>
+          </p:nvPr>
+        </p:nvSpPr>
+        <p:spPr/>
+        <p:txBody>
+          <a:bodyPr/>
+          <a:lstStyle/>
+          <a:p>
+            <a:r>
+              <a:rPr lang="en-US" dirty="0" smtClean="0"/>
+              <a:t>Preparation</a:t>
+            </a:r>
+            <a:endParaRPr lang="en-US" dirty="0"/>
+          </a:p>
+        </p:txBody>
+      </p:sp>
+      <p:sp>
+        <p:nvSpPr>
+          <p:cNvPr id="3" name="Content Placeholder 2"/>
+          <p:cNvSpPr>
+            <a:spLocks noGrp="1"/>
+          </p:cNvSpPr>
+          <p:nvPr>
+            <p:ph idx="1"/>
+          </p:nvPr>
+        </p:nvSpPr>
+        <p:spPr/>
+        <p:txBody>
+          <a:bodyPr/>
+          <a:lstStyle/>
+          <a:p>
+            <a:r>
+              <a:rPr lang="en-US" dirty="0" smtClean="0"/>
+              <a:t>RRL</a:t>
+            </a:r>
+          </a:p>
+          <a:p>
+            <a:r>
+              <a:rPr lang="en-US" dirty="0" smtClean="0"/>
+              <a:t>Theoretical Framework – Implementation Details of</a:t>
+            </a:r>
+          </a:p>
+          <a:p>
+            <a:pPr lvl="1">
+              <a:buFont typeface="Arial" panose="020B0604020202020204" pitchFamily="34" charset="0"/>
+              <a:buChar char="•"/>
+            </a:pPr>
+            <a:r>
+              <a:rPr lang="en-US" dirty="0" smtClean="0"/>
+              <a:t>Community Detection Algorithms</a:t>
+            </a:r>
+          </a:p>
+          <a:p>
+            <a:pPr lvl="1">
+              <a:buFont typeface="Arial" panose="020B0604020202020204" pitchFamily="34" charset="0"/>
+              <a:buChar char="•"/>
+            </a:pPr>
+            <a:r>
+              <a:rPr lang="en-US" dirty="0" smtClean="0"/>
+              <a:t>Similarity Parameter Computation</a:t>
+            </a:r>
+          </a:p>
+          <a:p>
+            <a:pPr lvl="1">
+              <a:buFont typeface="Arial" panose="020B0604020202020204" pitchFamily="34" charset="0"/>
+              <a:buChar char="•"/>
+            </a:pPr>
+            <a:r>
+              <a:rPr lang="en-US" dirty="0" smtClean="0"/>
+              <a:t>Evaluation Metric Computation</a:t>
+            </a:r>
+          </a:p>
+          <a:p>
+            <a:r>
+              <a:rPr lang="en-US" dirty="0" smtClean="0"/>
+              <a:t>APIs for Facebook and Twitter</a:t>
+            </a:r>
+          </a:p>
+          <a:p>
+            <a:r>
+              <a:rPr lang="en-US" dirty="0" smtClean="0"/>
+              <a:t>Platform Selection for Data Storage</a:t>
+            </a:r>
+          </a:p>
+          <a:p>
+            <a:r>
+              <a:rPr lang="en-US" dirty="0" smtClean="0"/>
+              <a:t>Programming Language Selection</a:t>
+            </a:r>
+            <a:endParaRPr lang="en-US" dirty="0"/>
+          </a:p>
+        </p:txBody>
+      </p:sp>
+    </p:spTree>
+    <p:extLst>
+      <p:ext uri="{BB962C8B-B14F-4D97-AF65-F5344CB8AC3E}">
+        <p14:creationId xmlns:p14="http://schemas.microsoft.com/office/powerpoint/2010/main" val="84086059"/>
+      </p:ext>
+    </p:extLst>
+  </p:cSld>
+  <p:clrMapOvr>
+    <a:masterClrMapping/>
+  </p:clrMapOvr>
+</p:sld>
+</file>
+
+<file path=ppt/slides/slide23.xml><?xml version="1.0" encoding="utf-8"?>
+<p:sld xmlns:a="http://schemas.openxmlformats.org/drawingml/2006/main" xmlns:r="http://schemas.openxmlformats.org/officeDocument/2006/relationships" xmlns:p="http://schemas.openxmlformats.org/presentationml/2006/main">
+  <p:cSld>
+    <p:spTree>
+      <p:nvGrpSpPr>
+        <p:cNvPr id="1" name=""/>
+        <p:cNvGrpSpPr/>
+        <p:nvPr/>
+      </p:nvGrpSpPr>
+      <p:grpSpPr>
+        <a:xfrm>
+          <a:off x="0" y="0"/>
+          <a:ext cx="0" cy="0"/>
+          <a:chOff x="0" y="0"/>
+          <a:chExt cx="0" cy="0"/>
+        </a:xfrm>
+      </p:grpSpPr>
+      <p:sp>
+        <p:nvSpPr>
+          <p:cNvPr id="2" name="Title 1"/>
+          <p:cNvSpPr>
+            <a:spLocks noGrp="1"/>
+          </p:cNvSpPr>
+          <p:nvPr>
+            <p:ph type="title"/>
+          </p:nvPr>
+        </p:nvSpPr>
+        <p:spPr/>
+        <p:txBody>
+          <a:bodyPr/>
+          <a:lstStyle/>
+          <a:p>
+            <a:r>
+              <a:rPr lang="en-US" dirty="0" smtClean="0"/>
+              <a:t>Iterative Experimentation</a:t>
+            </a:r>
+            <a:endParaRPr lang="en-US" dirty="0"/>
+          </a:p>
+        </p:txBody>
+      </p:sp>
+      <p:sp>
+        <p:nvSpPr>
+          <p:cNvPr id="3" name="Content Placeholder 2"/>
+          <p:cNvSpPr>
+            <a:spLocks noGrp="1"/>
+          </p:cNvSpPr>
+          <p:nvPr>
+            <p:ph idx="1"/>
+          </p:nvPr>
+        </p:nvSpPr>
+        <p:spPr/>
+        <p:txBody>
+          <a:bodyPr/>
+          <a:lstStyle/>
+          <a:p>
+            <a:r>
+              <a:rPr lang="en-US" sz="3200" dirty="0" smtClean="0"/>
+              <a:t>Different algorithm and similarity parameter per iteration</a:t>
+            </a:r>
+          </a:p>
+          <a:p>
+            <a:r>
+              <a:rPr lang="en-US" sz="3200" dirty="0" smtClean="0"/>
+              <a:t>Time: 2 – 3 weeks</a:t>
+            </a:r>
+          </a:p>
+          <a:p>
+            <a:endParaRPr lang="en-US" dirty="0"/>
+          </a:p>
+        </p:txBody>
+      </p:sp>
+    </p:spTree>
+    <p:extLst>
+      <p:ext uri="{BB962C8B-B14F-4D97-AF65-F5344CB8AC3E}">
+        <p14:creationId xmlns:p14="http://schemas.microsoft.com/office/powerpoint/2010/main" val="1468293055"/>
+      </p:ext>
+    </p:extLst>
+  </p:cSld>
+  <p:clrMapOvr>
+    <a:masterClrMapping/>
+  </p:clrMapOvr>
+</p:sld>
+</file>
+
+<file path=ppt/slides/slide24.xml><?xml version="1.0" encoding="utf-8"?>
+<p:sld xmlns:a="http://schemas.openxmlformats.org/drawingml/2006/main" xmlns:r="http://schemas.openxmlformats.org/officeDocument/2006/relationships" xmlns:p="http://schemas.openxmlformats.org/presentationml/2006/main">
+  <p:cSld>
+    <p:spTree>
+      <p:nvGrpSpPr>
+        <p:cNvPr id="1" name=""/>
+        <p:cNvGrpSpPr/>
+        <p:nvPr/>
+      </p:nvGrpSpPr>
+      <p:grpSpPr>
+        <a:xfrm>
+          <a:off x="0" y="0"/>
+          <a:ext cx="0" cy="0"/>
+          <a:chOff x="0" y="0"/>
+          <a:chExt cx="0" cy="0"/>
+        </a:xfrm>
+      </p:grpSpPr>
+      <p:sp>
+        <p:nvSpPr>
+          <p:cNvPr id="2" name="Title 1"/>
+          <p:cNvSpPr>
+            <a:spLocks noGrp="1"/>
+          </p:cNvSpPr>
+          <p:nvPr>
+            <p:ph type="title"/>
+          </p:nvPr>
+        </p:nvSpPr>
+        <p:spPr/>
+        <p:txBody>
+          <a:bodyPr/>
+          <a:lstStyle/>
+          <a:p>
+            <a:r>
+              <a:rPr lang="en-US" dirty="0"/>
+              <a:t>Iterative </a:t>
+            </a:r>
+            <a:r>
+              <a:rPr lang="en-US" dirty="0" smtClean="0"/>
+              <a:t>Experimentation Steps</a:t>
+            </a:r>
+            <a:endParaRPr lang="en-US" dirty="0"/>
+          </a:p>
+        </p:txBody>
+      </p:sp>
+      <p:sp>
+        <p:nvSpPr>
+          <p:cNvPr id="3" name="Content Placeholder 2"/>
+          <p:cNvSpPr>
+            <a:spLocks noGrp="1"/>
+          </p:cNvSpPr>
+          <p:nvPr>
+            <p:ph idx="1"/>
+          </p:nvPr>
+        </p:nvSpPr>
+        <p:spPr/>
+        <p:txBody>
+          <a:bodyPr>
+            <a:noAutofit/>
+          </a:bodyPr>
+          <a:lstStyle/>
+          <a:p>
+            <a:pPr>
+              <a:buFont typeface="+mj-lt"/>
+              <a:buAutoNum type="arabicPeriod"/>
+            </a:pPr>
+            <a:r>
+              <a:rPr lang="en-US" sz="2400" dirty="0" smtClean="0"/>
+              <a:t>Similarity Parameter Selection</a:t>
+            </a:r>
+          </a:p>
+          <a:p>
+            <a:pPr lvl="1">
+              <a:buFont typeface="Wingdings" panose="05000000000000000000" pitchFamily="2" charset="2"/>
+              <a:buChar char="§"/>
+            </a:pPr>
+            <a:r>
+              <a:rPr lang="en-US" sz="2400" dirty="0" smtClean="0"/>
+              <a:t>Need not be applicable to both Facebook and Twitter</a:t>
+            </a:r>
+          </a:p>
+          <a:p>
+            <a:pPr lvl="1">
+              <a:buFont typeface="Wingdings" panose="05000000000000000000" pitchFamily="2" charset="2"/>
+              <a:buChar char="§"/>
+            </a:pPr>
+            <a:r>
+              <a:rPr lang="en-US" sz="2400" dirty="0" smtClean="0"/>
+              <a:t>Reason for having multiple iterations</a:t>
+            </a:r>
+          </a:p>
+          <a:p>
+            <a:pPr>
+              <a:buFont typeface="+mj-lt"/>
+              <a:buAutoNum type="arabicPeriod"/>
+            </a:pPr>
+            <a:r>
+              <a:rPr lang="en-US" sz="2400" dirty="0" smtClean="0"/>
+              <a:t>Community Detection Algorithm Selection</a:t>
+            </a:r>
+          </a:p>
+          <a:p>
+            <a:pPr lvl="1">
+              <a:buFont typeface="Wingdings" panose="05000000000000000000" pitchFamily="2" charset="2"/>
+              <a:buChar char="§"/>
+            </a:pPr>
+            <a:r>
+              <a:rPr lang="en-US" sz="2400" dirty="0" smtClean="0"/>
+              <a:t>Must be compatible with the selected parameter</a:t>
+            </a:r>
+          </a:p>
+          <a:p>
+            <a:pPr lvl="1">
+              <a:buFont typeface="Wingdings" panose="05000000000000000000" pitchFamily="2" charset="2"/>
+              <a:buChar char="§"/>
+            </a:pPr>
+            <a:r>
+              <a:rPr lang="en-US" sz="2400" dirty="0" smtClean="0"/>
+              <a:t>Algorithm may differ per iteration</a:t>
+            </a:r>
+          </a:p>
+        </p:txBody>
+      </p:sp>
+    </p:spTree>
+    <p:extLst>
+      <p:ext uri="{BB962C8B-B14F-4D97-AF65-F5344CB8AC3E}">
+        <p14:creationId xmlns:p14="http://schemas.microsoft.com/office/powerpoint/2010/main" val="2296757517"/>
+      </p:ext>
+    </p:extLst>
+  </p:cSld>
+  <p:clrMapOvr>
+    <a:masterClrMapping/>
+  </p:clrMapOvr>
+</p:sld>
+</file>
+
+<file path=ppt/slides/slide25.xml><?xml version="1.0" encoding="utf-8"?>
+<p:sld xmlns:a="http://schemas.openxmlformats.org/drawingml/2006/main" xmlns:r="http://schemas.openxmlformats.org/officeDocument/2006/relationships" xmlns:p="http://schemas.openxmlformats.org/presentationml/2006/main">
+  <p:cSld>
+    <p:spTree>
+      <p:nvGrpSpPr>
+        <p:cNvPr id="1" name=""/>
+        <p:cNvGrpSpPr/>
+        <p:nvPr/>
+      </p:nvGrpSpPr>
+      <p:grpSpPr>
+        <a:xfrm>
+          <a:off x="0" y="0"/>
+          <a:ext cx="0" cy="0"/>
+          <a:chOff x="0" y="0"/>
+          <a:chExt cx="0" cy="0"/>
+        </a:xfrm>
+      </p:grpSpPr>
+      <p:sp>
+        <p:nvSpPr>
+          <p:cNvPr id="2" name="Title 1"/>
+          <p:cNvSpPr>
+            <a:spLocks noGrp="1"/>
+          </p:cNvSpPr>
+          <p:nvPr>
+            <p:ph type="title"/>
+          </p:nvPr>
+        </p:nvSpPr>
+        <p:spPr/>
+        <p:txBody>
+          <a:bodyPr/>
+          <a:lstStyle/>
+          <a:p>
+            <a:r>
+              <a:rPr lang="en-US" dirty="0"/>
+              <a:t>Iterative </a:t>
+            </a:r>
+            <a:r>
+              <a:rPr lang="en-US" dirty="0" smtClean="0"/>
+              <a:t>Experimentation Steps</a:t>
+            </a:r>
+            <a:endParaRPr lang="en-US" dirty="0"/>
+          </a:p>
+        </p:txBody>
+      </p:sp>
+      <p:sp>
+        <p:nvSpPr>
+          <p:cNvPr id="3" name="Content Placeholder 2"/>
+          <p:cNvSpPr>
+            <a:spLocks noGrp="1"/>
+          </p:cNvSpPr>
+          <p:nvPr>
+            <p:ph idx="1"/>
+          </p:nvPr>
+        </p:nvSpPr>
+        <p:spPr/>
+        <p:txBody>
+          <a:bodyPr>
+            <a:noAutofit/>
+          </a:bodyPr>
+          <a:lstStyle/>
+          <a:p>
+            <a:pPr marL="457200" indent="-457200">
+              <a:buFont typeface="+mj-lt"/>
+              <a:buAutoNum type="arabicPeriod" startAt="3"/>
+            </a:pPr>
+            <a:r>
+              <a:rPr lang="en-US" sz="2400" dirty="0" smtClean="0"/>
+              <a:t>Data Collection</a:t>
+            </a:r>
+          </a:p>
+          <a:p>
+            <a:pPr lvl="1">
+              <a:buFont typeface="Wingdings" panose="05000000000000000000" pitchFamily="2" charset="2"/>
+              <a:buChar char="§"/>
+            </a:pPr>
+            <a:r>
+              <a:rPr lang="en-US" sz="2400" dirty="0" smtClean="0"/>
+              <a:t>Using API’s to get data from Facebook and Twitter</a:t>
+            </a:r>
+          </a:p>
+          <a:p>
+            <a:pPr lvl="1">
+              <a:buFont typeface="Wingdings" panose="05000000000000000000" pitchFamily="2" charset="2"/>
+              <a:buChar char="§"/>
+            </a:pPr>
+            <a:r>
+              <a:rPr lang="en-US" sz="2400" dirty="0" smtClean="0"/>
+              <a:t>Anonymization and data transformation</a:t>
+            </a:r>
+          </a:p>
+          <a:p>
+            <a:pPr>
+              <a:buFont typeface="+mj-lt"/>
+              <a:buAutoNum type="arabicPeriod" startAt="3"/>
+            </a:pPr>
+            <a:r>
+              <a:rPr lang="en-US" sz="2400" dirty="0" smtClean="0"/>
+              <a:t>Model Design</a:t>
+            </a:r>
+          </a:p>
+          <a:p>
+            <a:pPr lvl="1">
+              <a:buFont typeface="Wingdings" panose="05000000000000000000" pitchFamily="2" charset="2"/>
+              <a:buChar char="§"/>
+            </a:pPr>
+            <a:r>
+              <a:rPr lang="en-US" sz="2400" dirty="0"/>
+              <a:t>Time: 3 – 4 days</a:t>
+            </a:r>
+          </a:p>
+          <a:p>
+            <a:pPr lvl="1">
+              <a:buFont typeface="Wingdings" panose="05000000000000000000" pitchFamily="2" charset="2"/>
+              <a:buChar char="§"/>
+            </a:pPr>
+            <a:r>
+              <a:rPr lang="en-US" sz="2400" dirty="0" smtClean="0"/>
+              <a:t>First iteration includes evaluation parameters</a:t>
+            </a:r>
+          </a:p>
+        </p:txBody>
+      </p:sp>
+    </p:spTree>
+    <p:extLst>
+      <p:ext uri="{BB962C8B-B14F-4D97-AF65-F5344CB8AC3E}">
+        <p14:creationId xmlns:p14="http://schemas.microsoft.com/office/powerpoint/2010/main" val="144457420"/>
+      </p:ext>
+    </p:extLst>
+  </p:cSld>
+  <p:clrMapOvr>
+    <a:masterClrMapping/>
+  </p:clrMapOvr>
+</p:sld>
+</file>
+
+<file path=ppt/slides/slide26.xml><?xml version="1.0" encoding="utf-8"?>
+<p:sld xmlns:a="http://schemas.openxmlformats.org/drawingml/2006/main" xmlns:r="http://schemas.openxmlformats.org/officeDocument/2006/relationships" xmlns:p="http://schemas.openxmlformats.org/presentationml/2006/main">
+  <p:cSld>
+    <p:spTree>
+      <p:nvGrpSpPr>
+        <p:cNvPr id="1" name=""/>
+        <p:cNvGrpSpPr/>
+        <p:nvPr/>
+      </p:nvGrpSpPr>
+      <p:grpSpPr>
+        <a:xfrm>
+          <a:off x="0" y="0"/>
+          <a:ext cx="0" cy="0"/>
+          <a:chOff x="0" y="0"/>
+          <a:chExt cx="0" cy="0"/>
+        </a:xfrm>
+      </p:grpSpPr>
+      <p:sp>
+        <p:nvSpPr>
+          <p:cNvPr id="2" name="Title 1"/>
+          <p:cNvSpPr>
+            <a:spLocks noGrp="1"/>
+          </p:cNvSpPr>
+          <p:nvPr>
+            <p:ph type="title"/>
+          </p:nvPr>
+        </p:nvSpPr>
+        <p:spPr/>
+        <p:txBody>
+          <a:bodyPr/>
+          <a:lstStyle/>
+          <a:p>
+            <a:r>
+              <a:rPr lang="en-US" dirty="0"/>
+              <a:t>Iterative </a:t>
+            </a:r>
+            <a:r>
+              <a:rPr lang="en-US" dirty="0" smtClean="0"/>
+              <a:t>Experimentation Steps</a:t>
+            </a:r>
+            <a:endParaRPr lang="en-US" dirty="0"/>
+          </a:p>
+        </p:txBody>
+      </p:sp>
+      <p:sp>
+        <p:nvSpPr>
+          <p:cNvPr id="3" name="Content Placeholder 2"/>
+          <p:cNvSpPr>
+            <a:spLocks noGrp="1"/>
+          </p:cNvSpPr>
+          <p:nvPr>
+            <p:ph idx="1"/>
+          </p:nvPr>
+        </p:nvSpPr>
+        <p:spPr/>
+        <p:txBody>
+          <a:bodyPr>
+            <a:noAutofit/>
+          </a:bodyPr>
+          <a:lstStyle/>
+          <a:p>
+            <a:pPr marL="457200" indent="-457200">
+              <a:buFont typeface="+mj-lt"/>
+              <a:buAutoNum type="arabicPeriod" startAt="5"/>
+            </a:pPr>
+            <a:r>
+              <a:rPr lang="en-US" sz="2400" dirty="0" smtClean="0"/>
+              <a:t>Model Implementation</a:t>
+            </a:r>
+          </a:p>
+          <a:p>
+            <a:pPr lvl="1">
+              <a:buFont typeface="Wingdings" panose="05000000000000000000" pitchFamily="2" charset="2"/>
+              <a:buChar char="§"/>
+            </a:pPr>
+            <a:r>
+              <a:rPr lang="en-US" sz="2400" dirty="0" smtClean="0"/>
+              <a:t>Time: 1 – 2 weeks</a:t>
+            </a:r>
+          </a:p>
+          <a:p>
+            <a:pPr lvl="1">
+              <a:buFont typeface="Wingdings" panose="05000000000000000000" pitchFamily="2" charset="2"/>
+              <a:buChar char="§"/>
+            </a:pPr>
+            <a:r>
+              <a:rPr lang="en-US" sz="2400" dirty="0" smtClean="0"/>
+              <a:t>First iteration includes evaluation metrics</a:t>
+            </a:r>
+          </a:p>
+          <a:p>
+            <a:pPr>
+              <a:buFont typeface="+mj-lt"/>
+              <a:buAutoNum type="arabicPeriod" startAt="5"/>
+            </a:pPr>
+            <a:r>
+              <a:rPr lang="en-US" sz="2400" dirty="0" smtClean="0"/>
+              <a:t>Model Evaluation</a:t>
+            </a:r>
+          </a:p>
+          <a:p>
+            <a:pPr lvl="1">
+              <a:buFont typeface="Wingdings" panose="05000000000000000000" pitchFamily="2" charset="2"/>
+              <a:buChar char="§"/>
+            </a:pPr>
+            <a:r>
+              <a:rPr lang="en-US" sz="2400" dirty="0" smtClean="0"/>
+              <a:t>Time: 2 – 3 days</a:t>
+            </a:r>
+          </a:p>
+          <a:p>
+            <a:pPr lvl="1">
+              <a:buFont typeface="Wingdings" panose="05000000000000000000" pitchFamily="2" charset="2"/>
+              <a:buChar char="§"/>
+            </a:pPr>
+            <a:r>
+              <a:rPr lang="en-US" sz="2400" dirty="0" smtClean="0"/>
+              <a:t>Running the algorithms on the data</a:t>
+            </a:r>
+          </a:p>
+          <a:p>
+            <a:pPr lvl="1">
+              <a:buFont typeface="Wingdings" panose="05000000000000000000" pitchFamily="2" charset="2"/>
+              <a:buChar char="§"/>
+            </a:pPr>
+            <a:r>
+              <a:rPr lang="en-US" sz="2400" dirty="0" smtClean="0"/>
+              <a:t>Using the evaluation metrics to determine accuracy</a:t>
+            </a:r>
+          </a:p>
+        </p:txBody>
+      </p:sp>
+    </p:spTree>
+    <p:extLst>
+      <p:ext uri="{BB962C8B-B14F-4D97-AF65-F5344CB8AC3E}">
+        <p14:creationId xmlns:p14="http://schemas.microsoft.com/office/powerpoint/2010/main" val="1838429553"/>
+      </p:ext>
+    </p:extLst>
+  </p:cSld>
+  <p:clrMapOvr>
+    <a:masterClrMapping/>
+  </p:clrMapOvr>
+</p:sld>
+</file>
+
+<file path=ppt/slides/slide27.xml><?xml version="1.0" encoding="utf-8"?>
+<p:sld xmlns:a="http://schemas.openxmlformats.org/drawingml/2006/main" xmlns:r="http://schemas.openxmlformats.org/officeDocument/2006/relationships" xmlns:p="http://schemas.openxmlformats.org/presentationml/2006/main">
+  <p:cSld>
+    <p:spTree>
+      <p:nvGrpSpPr>
+        <p:cNvPr id="1" name=""/>
+        <p:cNvGrpSpPr/>
+        <p:nvPr/>
+      </p:nvGrpSpPr>
+      <p:grpSpPr>
+        <a:xfrm>
+          <a:off x="0" y="0"/>
+          <a:ext cx="0" cy="0"/>
+          <a:chOff x="0" y="0"/>
+          <a:chExt cx="0" cy="0"/>
+        </a:xfrm>
+      </p:grpSpPr>
+      <p:sp>
+        <p:nvSpPr>
+          <p:cNvPr id="2" name="Title 1"/>
+          <p:cNvSpPr>
+            <a:spLocks noGrp="1"/>
+          </p:cNvSpPr>
+          <p:nvPr>
+            <p:ph type="title"/>
+          </p:nvPr>
+        </p:nvSpPr>
+        <p:spPr/>
+        <p:txBody>
+          <a:bodyPr/>
+          <a:lstStyle/>
+          <a:p>
+            <a:r>
+              <a:rPr lang="en-US" dirty="0"/>
+              <a:t>Iterative </a:t>
+            </a:r>
+            <a:r>
+              <a:rPr lang="en-US" dirty="0" smtClean="0"/>
+              <a:t>Experimentation Steps</a:t>
+            </a:r>
+            <a:endParaRPr lang="en-US" dirty="0"/>
+          </a:p>
+        </p:txBody>
+      </p:sp>
+      <p:sp>
+        <p:nvSpPr>
+          <p:cNvPr id="3" name="Content Placeholder 2"/>
+          <p:cNvSpPr>
+            <a:spLocks noGrp="1"/>
+          </p:cNvSpPr>
+          <p:nvPr>
+            <p:ph idx="1"/>
+          </p:nvPr>
+        </p:nvSpPr>
+        <p:spPr/>
+        <p:txBody>
+          <a:bodyPr>
+            <a:noAutofit/>
+          </a:bodyPr>
+          <a:lstStyle/>
+          <a:p>
+            <a:pPr marL="457200" indent="-457200">
+              <a:buFont typeface="+mj-lt"/>
+              <a:buAutoNum type="arabicPeriod" startAt="7"/>
+            </a:pPr>
+            <a:r>
+              <a:rPr lang="en-US" sz="2400" dirty="0" smtClean="0"/>
+              <a:t>Documentation</a:t>
+            </a:r>
+          </a:p>
+          <a:p>
+            <a:pPr lvl="1">
+              <a:buFont typeface="Wingdings" panose="05000000000000000000" pitchFamily="2" charset="2"/>
+              <a:buChar char="§"/>
+            </a:pPr>
+            <a:r>
+              <a:rPr lang="en-US" sz="2400" dirty="0" smtClean="0"/>
+              <a:t>Time: 1 – 2 days</a:t>
+            </a:r>
+          </a:p>
+          <a:p>
+            <a:pPr lvl="1">
+              <a:buFont typeface="Wingdings" panose="05000000000000000000" pitchFamily="2" charset="2"/>
+              <a:buChar char="§"/>
+            </a:pPr>
+            <a:r>
+              <a:rPr lang="en-US" sz="2400" dirty="0" smtClean="0"/>
+              <a:t>Ensure quality and correctness of documentation of iteration</a:t>
+            </a:r>
+          </a:p>
+          <a:p>
+            <a:pPr lvl="1">
+              <a:buFont typeface="Wingdings" panose="05000000000000000000" pitchFamily="2" charset="2"/>
+              <a:buChar char="§"/>
+            </a:pPr>
+            <a:r>
+              <a:rPr lang="en-US" sz="2400" dirty="0" smtClean="0"/>
+              <a:t>Retrospective</a:t>
+            </a:r>
+          </a:p>
+        </p:txBody>
+      </p:sp>
+    </p:spTree>
+    <p:extLst>
+      <p:ext uri="{BB962C8B-B14F-4D97-AF65-F5344CB8AC3E}">
+        <p14:creationId xmlns:p14="http://schemas.microsoft.com/office/powerpoint/2010/main" val="2241698053"/>
+      </p:ext>
+    </p:extLst>
+  </p:cSld>
+  <p:clrMapOvr>
+    <a:masterClrMapping/>
+  </p:clrMapOvr>
+</p:sld>
+</file>
+
+<file path=ppt/slides/slide28.xml><?xml version="1.0" encoding="utf-8"?>
+<p:sld xmlns:a="http://schemas.openxmlformats.org/drawingml/2006/main" xmlns:r="http://schemas.openxmlformats.org/officeDocument/2006/relationships" xmlns:p="http://schemas.openxmlformats.org/presentationml/2006/main">
+  <p:cSld>
+    <p:spTree>
+      <p:nvGrpSpPr>
+        <p:cNvPr id="1" name=""/>
+        <p:cNvGrpSpPr/>
+        <p:nvPr/>
+      </p:nvGrpSpPr>
+      <p:grpSpPr>
+        <a:xfrm>
+          <a:off x="0" y="0"/>
+          <a:ext cx="0" cy="0"/>
+          <a:chOff x="0" y="0"/>
+          <a:chExt cx="0" cy="0"/>
+        </a:xfrm>
+      </p:grpSpPr>
+      <p:sp>
+        <p:nvSpPr>
+          <p:cNvPr id="2" name="Title 1"/>
+          <p:cNvSpPr>
+            <a:spLocks noGrp="1"/>
+          </p:cNvSpPr>
+          <p:nvPr>
+            <p:ph type="title"/>
+          </p:nvPr>
+        </p:nvSpPr>
+        <p:spPr/>
+        <p:txBody>
+          <a:bodyPr/>
+          <a:lstStyle/>
+          <a:p>
+            <a:r>
+              <a:rPr lang="en-US" dirty="0" smtClean="0"/>
+              <a:t>Analysis and Finalization</a:t>
+            </a:r>
+            <a:endParaRPr lang="en-US" dirty="0"/>
+          </a:p>
+        </p:txBody>
+      </p:sp>
+      <p:sp>
+        <p:nvSpPr>
+          <p:cNvPr id="3" name="Content Placeholder 2"/>
+          <p:cNvSpPr>
+            <a:spLocks noGrp="1"/>
+          </p:cNvSpPr>
+          <p:nvPr>
+            <p:ph idx="1"/>
+          </p:nvPr>
+        </p:nvSpPr>
+        <p:spPr/>
+        <p:txBody>
+          <a:bodyPr>
+            <a:normAutofit/>
+          </a:bodyPr>
+          <a:lstStyle/>
+          <a:p>
+            <a:r>
+              <a:rPr lang="en-US" sz="2800" dirty="0" smtClean="0"/>
+              <a:t>Time: 2 – 3 weeks</a:t>
+            </a:r>
+          </a:p>
+          <a:p>
+            <a:r>
+              <a:rPr lang="en-US" sz="2800" dirty="0" smtClean="0"/>
+              <a:t>Revisit data collected</a:t>
+            </a:r>
+          </a:p>
+          <a:p>
+            <a:r>
+              <a:rPr lang="en-US" sz="2800" dirty="0" smtClean="0"/>
+              <a:t>Possible supplementary study</a:t>
+            </a:r>
+          </a:p>
+          <a:p>
+            <a:r>
+              <a:rPr lang="en-US" sz="2800" dirty="0" smtClean="0"/>
+              <a:t>Determine best parameter-algorithm combination</a:t>
+            </a:r>
+          </a:p>
+          <a:p>
+            <a:r>
+              <a:rPr lang="en-US" sz="2800" dirty="0" smtClean="0"/>
+              <a:t>Produce visualization</a:t>
+            </a:r>
+          </a:p>
+        </p:txBody>
+      </p:sp>
+    </p:spTree>
+    <p:extLst>
+      <p:ext uri="{BB962C8B-B14F-4D97-AF65-F5344CB8AC3E}">
+        <p14:creationId xmlns:p14="http://schemas.microsoft.com/office/powerpoint/2010/main" val="1513111955"/>
+      </p:ext>
+    </p:extLst>
+  </p:cSld>
+  <p:clrMapOvr>
+    <a:masterClrMapping/>
+  </p:clrMapOvr>
+</p:sld>
+</file>
+
+<file path=ppt/slides/slide29.xml><?xml version="1.0" encoding="utf-8"?>
+<p:sld xmlns:a="http://schemas.openxmlformats.org/drawingml/2006/main" xmlns:r="http://schemas.openxmlformats.org/officeDocument/2006/relationships" xmlns:p="http://schemas.openxmlformats.org/presentationml/2006/main">
+  <p:cSld>
+    <p:spTree>
+      <p:nvGrpSpPr>
+        <p:cNvPr id="1" name=""/>
+        <p:cNvGrpSpPr/>
+        <p:nvPr/>
+      </p:nvGrpSpPr>
+      <p:grpSpPr>
+        <a:xfrm>
+          <a:off x="0" y="0"/>
+          <a:ext cx="0" cy="0"/>
+          <a:chOff x="0" y="0"/>
+          <a:chExt cx="0" cy="0"/>
+        </a:xfrm>
+      </p:grpSpPr>
+      <p:sp>
+        <p:nvSpPr>
+          <p:cNvPr id="2" name="Title 1"/>
+          <p:cNvSpPr>
+            <a:spLocks noGrp="1"/>
+          </p:cNvSpPr>
+          <p:nvPr>
+            <p:ph type="title"/>
+          </p:nvPr>
+        </p:nvSpPr>
+        <p:spPr/>
+        <p:txBody>
+          <a:bodyPr/>
+          <a:lstStyle/>
+          <a:p>
+            <a:r>
+              <a:rPr lang="en-US" dirty="0" smtClean="0"/>
+              <a:t>Calendar of Activities</a:t>
+            </a:r>
+            <a:endParaRPr lang="en-US" dirty="0"/>
+          </a:p>
+        </p:txBody>
+      </p:sp>
+      <p:pic>
+        <p:nvPicPr>
+          <p:cNvPr id="4" name="Content Placeholder 3"/>
+          <p:cNvPicPr>
+            <a:picLocks noGrp="1" noChangeAspect="1"/>
+          </p:cNvPicPr>
+          <p:nvPr>
+            <p:ph idx="1"/>
+          </p:nvPr>
+        </p:nvPicPr>
+        <p:blipFill rotWithShape="1">
+          <a:blip r:embed="rId2"/>
+          <a:srcRect l="14743" t="52720" r="21036" b="25415"/>
+          <a:stretch/>
+        </p:blipFill>
+        <p:spPr>
+          <a:xfrm>
+            <a:off x="463639" y="2395470"/>
+            <a:ext cx="10899522" cy="2086378"/>
+          </a:xfrm>
+          <a:prstGeom prst="rect">
+            <a:avLst/>
+          </a:prstGeom>
+        </p:spPr>
+      </p:pic>
+    </p:spTree>
+    <p:extLst>
+      <p:ext uri="{BB962C8B-B14F-4D97-AF65-F5344CB8AC3E}">
+        <p14:creationId xmlns:p14="http://schemas.microsoft.com/office/powerpoint/2010/main" val="2347035818"/>
+      </p:ext>
+    </p:extLst>
   </p:cSld>
   <p:clrMapOvr>
     <a:masterClrMapping/>
@@ -18031,6 +19471,133 @@
       </p:par>
     </p:tnLst>
   </p:timing>
+</p:sld>
+</file>
+
+<file path=ppt/slides/slide30.xml><?xml version="1.0" encoding="utf-8"?>
+<p:sld xmlns:a="http://schemas.openxmlformats.org/drawingml/2006/main" xmlns:r="http://schemas.openxmlformats.org/officeDocument/2006/relationships" xmlns:p="http://schemas.openxmlformats.org/presentationml/2006/main">
+  <p:cSld>
+    <p:spTree>
+      <p:nvGrpSpPr>
+        <p:cNvPr id="1" name="Shape 377"/>
+        <p:cNvGrpSpPr/>
+        <p:nvPr/>
+      </p:nvGrpSpPr>
+      <p:grpSpPr>
+        <a:xfrm>
+          <a:off x="0" y="0"/>
+          <a:ext cx="0" cy="0"/>
+          <a:chOff x="0" y="0"/>
+          <a:chExt cx="0" cy="0"/>
+        </a:xfrm>
+      </p:grpSpPr>
+      <p:sp>
+        <p:nvSpPr>
+          <p:cNvPr id="378" name="Shape 378"/>
+          <p:cNvSpPr txBox="1">
+            <a:spLocks noGrp="1"/>
+          </p:cNvSpPr>
+          <p:nvPr>
+            <p:ph type="title"/>
+          </p:nvPr>
+        </p:nvSpPr>
+        <p:spPr>
+          <a:prstGeom prst="rect">
+            <a:avLst/>
+          </a:prstGeom>
+          <a:noFill/>
+          <a:ln>
+            <a:noFill/>
+          </a:ln>
+        </p:spPr>
+        <p:txBody>
+          <a:bodyPr lIns="91425" tIns="45700" rIns="91425" bIns="45700" anchor="ctr" anchorCtr="0">
+            <a:noAutofit/>
+          </a:bodyPr>
+          <a:lstStyle/>
+          <a:p>
+            <a:pPr marL="0" marR="0" lvl="0" indent="0" algn="l" rtl="0">
+              <a:spcBef>
+                <a:spcPts val="0"/>
+              </a:spcBef>
+              <a:buClr>
+                <a:schemeClr val="lt2"/>
+              </a:buClr>
+              <a:buSzPct val="25000"/>
+              <a:buFont typeface="Questrial"/>
+              <a:buNone/>
+            </a:pPr>
+            <a:r>
+              <a:rPr lang="en-PH" sz="4000" b="0" i="0" u="none" strike="noStrike" cap="none">
+                <a:solidFill>
+                  <a:schemeClr val="lt2"/>
+                </a:solidFill>
+                <a:latin typeface="Questrial"/>
+                <a:ea typeface="Questrial"/>
+                <a:cs typeface="Questrial"/>
+                <a:sym typeface="Questrial"/>
+              </a:rPr>
+              <a:t>Thank You!</a:t>
+            </a:r>
+          </a:p>
+        </p:txBody>
+      </p:sp>
+      <p:sp>
+        <p:nvSpPr>
+          <p:cNvPr id="379" name="Shape 379"/>
+          <p:cNvSpPr txBox="1">
+            <a:spLocks noGrp="1"/>
+          </p:cNvSpPr>
+          <p:nvPr>
+            <p:ph type="body" idx="1"/>
+          </p:nvPr>
+        </p:nvSpPr>
+        <p:spPr>
+          <a:prstGeom prst="rect">
+            <a:avLst/>
+          </a:prstGeom>
+          <a:noFill/>
+          <a:ln>
+            <a:noFill/>
+          </a:ln>
+        </p:spPr>
+        <p:txBody>
+          <a:bodyPr lIns="91425" tIns="45700" rIns="91425" bIns="45700" anchor="ctr" anchorCtr="0">
+            <a:noAutofit/>
+          </a:bodyPr>
+          <a:lstStyle/>
+          <a:p>
+            <a:pPr marL="0" marR="0" lvl="0" indent="0" algn="l" rtl="0">
+              <a:spcBef>
+                <a:spcPts val="0"/>
+              </a:spcBef>
+              <a:spcAft>
+                <a:spcPts val="0"/>
+              </a:spcAft>
+              <a:buClr>
+                <a:schemeClr val="accent1"/>
+              </a:buClr>
+              <a:buSzPct val="25000"/>
+              <a:buFont typeface="Noto Sans Symbols"/>
+              <a:buNone/>
+            </a:pPr>
+            <a:endParaRPr sz="2000" b="0" i="0" u="none" strike="noStrike" cap="none">
+              <a:solidFill>
+                <a:srgbClr val="EE52A4"/>
+              </a:solidFill>
+              <a:latin typeface="Questrial"/>
+              <a:ea typeface="Questrial"/>
+              <a:cs typeface="Questrial"/>
+              <a:sym typeface="Questrial"/>
+            </a:endParaRPr>
+          </a:p>
+        </p:txBody>
+      </p:sp>
+    </p:spTree>
+  </p:cSld>
+  <p:clrMapOvr>
+    <a:masterClrMapping/>
+  </p:clrMapOvr>
 </p:sld>
 </file>
 
@@ -21186,7 +22753,7 @@
               <a:buNone/>
             </a:pPr>
             <a:r>
-              <a:rPr lang="en-PH" sz="3600" b="0" i="0" u="none" strike="noStrike" cap="none">
+              <a:rPr lang="en-PH" sz="3600" b="0" i="0" u="none" strike="noStrike" cap="none" dirty="0">
                 <a:solidFill>
                   <a:schemeClr val="lt2"/>
                 </a:solidFill>
@@ -21195,8 +22762,29 @@
                 <a:cs typeface="Questrial"/>
                 <a:sym typeface="Questrial"/>
               </a:rPr>
-              <a:t>Research Problem</a:t>
-            </a:r>
+              <a:t>Research </a:t>
+            </a:r>
+            <a:r>
+              <a:rPr lang="en-PH" sz="3600" b="0" i="0" u="none" strike="noStrike" cap="none" dirty="0" smtClean="0">
+                <a:solidFill>
+                  <a:schemeClr val="lt2"/>
+                </a:solidFill>
+                <a:latin typeface="Questrial"/>
+                <a:ea typeface="Questrial"/>
+                <a:cs typeface="Questrial"/>
+                <a:sym typeface="Questrial"/>
+              </a:rPr>
+              <a:t>Gap</a:t>
+            </a:r>
+            <a:endParaRPr lang="en-PH" sz="3600" b="0" i="0" u="none" strike="noStrike" cap="none" dirty="0">
+              <a:solidFill>
+                <a:schemeClr val="lt2"/>
+              </a:solidFill>
+              <a:latin typeface="Questrial"/>
+              <a:ea typeface="Questrial"/>
+              <a:cs typeface="Questrial"/>
+              <a:sym typeface="Questrial"/>
+            </a:endParaRPr>
           </a:p>
         </p:txBody>
       </p:sp>
@@ -21240,7 +22828,7 @@
               <a:buChar char="►"/>
             </a:pPr>
             <a:r>
-              <a:rPr lang="en-PH" sz="2800" b="0" i="0" u="none" strike="noStrike" cap="none" dirty="0">
+              <a:rPr lang="en-PH" sz="2800" dirty="0" smtClean="0">
                 <a:solidFill>
                   <a:srgbClr val="3F3F3F"/>
                 </a:solidFill>
@@ -21249,8 +22837,24 @@
                 <a:cs typeface="Questrial"/>
                 <a:sym typeface="Questrial"/>
               </a:rPr>
-              <a:t>There has yet to be a community detection tool that integrates data from both Facebook and Twitter into the computation</a:t>
-            </a:r>
+              <a:t>Most studies are about Twitter.</a:t>
+            </a:r>
+          </a:p>
+          <a:p>
+            <a:pPr marR="0" lvl="0" algn="l" rtl="0">
+              <a:spcBef>
+                <a:spcPts val="0"/>
+              </a:spcBef>
+              <a:spcAft>
+                <a:spcPts val="0"/>
+              </a:spcAft>
+              <a:buClr>
+                <a:schemeClr val="accent1"/>
+              </a:buClr>
+              <a:buSzPct val="80000"/>
+              <a:buFont typeface="Century Gothic" panose="020B0502020202020204" pitchFamily="34" charset="0"/>
+              <a:buChar char="►"/>
+            </a:pPr>
             <a:r>
               <a:rPr lang="en-PH" sz="2800" b="0" i="0" u="none" strike="noStrike" cap="none" dirty="0" smtClean="0">
                 <a:solidFill>
@@ -21261,7 +22865,71 @@
                 <a:cs typeface="Questrial"/>
                 <a:sym typeface="Questrial"/>
               </a:rPr>
-              <a:t>.</a:t>
+              <a:t>Facebook has 1.3 billion monthly </a:t>
+            </a:r>
+            <a:r>
+              <a:rPr lang="en-PH" sz="2800" b="0" i="0" u="none" strike="noStrike" cap="none" smtClean="0">
+                <a:solidFill>
+                  <a:srgbClr val="3F3F3F"/>
+                </a:solidFill>
+                <a:latin typeface="Questrial"/>
+                <a:ea typeface="Questrial"/>
+                <a:cs typeface="Questrial"/>
+                <a:sym typeface="Questrial"/>
+              </a:rPr>
+              <a:t>users against Tw</a:t>
+            </a:r>
+            <a:r>
+              <a:rPr lang="en-PH" sz="2800" smtClean="0">
+                <a:solidFill>
+                  <a:srgbClr val="3F3F3F"/>
+                </a:solidFill>
+                <a:latin typeface="Questrial"/>
+                <a:ea typeface="Questrial"/>
+                <a:cs typeface="Questrial"/>
+                <a:sym typeface="Questrial"/>
+              </a:rPr>
+              <a:t>itter’s </a:t>
+            </a:r>
+            <a:r>
+              <a:rPr lang="en-PH" sz="2800" dirty="0" smtClean="0">
+                <a:solidFill>
+                  <a:srgbClr val="3F3F3F"/>
+                </a:solidFill>
+                <a:latin typeface="Questrial"/>
+                <a:ea typeface="Questrial"/>
+                <a:cs typeface="Questrial"/>
+                <a:sym typeface="Questrial"/>
+              </a:rPr>
+              <a:t>271 million</a:t>
+            </a:r>
+          </a:p>
+          <a:p>
+            <a:pPr marR="0" lvl="0" algn="l" rtl="0">
+              <a:spcBef>
+                <a:spcPts val="0"/>
+              </a:spcBef>
+              <a:spcAft>
+                <a:spcPts val="0"/>
+              </a:spcAft>
+              <a:buClr>
+                <a:schemeClr val="accent1"/>
+              </a:buClr>
+              <a:buSzPct val="80000"/>
+              <a:buFont typeface="Century Gothic" panose="020B0502020202020204" pitchFamily="34" charset="0"/>
+              <a:buChar char="►"/>
+            </a:pPr>
+            <a:r>
+              <a:rPr lang="en-PH" sz="2800" b="0" i="0" u="none" strike="noStrike" cap="none" dirty="0" smtClean="0">
+                <a:solidFill>
+                  <a:srgbClr val="3F3F3F"/>
+                </a:solidFill>
+                <a:latin typeface="Questrial"/>
+                <a:ea typeface="Questrial"/>
+                <a:cs typeface="Questrial"/>
+                <a:sym typeface="Questrial"/>
+              </a:rPr>
+              <a:t>More features</a:t>
             </a:r>
           </a:p>
         </p:txBody>
